--- a/Audit Documents/Audit2Presentation.pptx
+++ b/Audit Documents/Audit2Presentation.pptx
@@ -5,7 +5,7 @@
     <p:sldMasterId id="2147483726" r:id="rId4"/>
   </p:sldMasterIdLst>
   <p:notesMasterIdLst>
-    <p:notesMasterId r:id="rId20"/>
+    <p:notesMasterId r:id="rId21"/>
   </p:notesMasterIdLst>
   <p:sldIdLst>
     <p:sldId id="267" r:id="rId5"/>
@@ -21,8 +21,9 @@
     <p:sldId id="282" r:id="rId15"/>
     <p:sldId id="279" r:id="rId16"/>
     <p:sldId id="283" r:id="rId17"/>
-    <p:sldId id="277" r:id="rId18"/>
-    <p:sldId id="262" r:id="rId19"/>
+    <p:sldId id="286" r:id="rId18"/>
+    <p:sldId id="277" r:id="rId19"/>
+    <p:sldId id="262" r:id="rId20"/>
   </p:sldIdLst>
   <p:sldSz cx="12192000" cy="6858000"/>
   <p:notesSz cx="6858000" cy="9144000"/>
@@ -134,6 +135,7 @@
   <p1510:revLst>
     <p1510:client id="{2162E30C-0BA3-AC07-5AD4-049084E496A7}" v="72" dt="2019-08-30T00:49:08.723"/>
     <p1510:client id="{21AFA33B-AEEA-DDDA-F7E1-B272FDB36621}" v="2" dt="2019-08-29T13:02:41.982"/>
+    <p1510:client id="{3337090C-3D75-2357-63BC-6DE93E06B4C2}" v="57" dt="2019-08-30T03:27:21.965"/>
     <p1510:client id="{425BA7A4-95AB-4022-A8EC-CE2F4645FD2C}" v="206" dt="2019-08-29T13:50:07.001"/>
     <p1510:client id="{8E00F8CA-8E62-4B37-9A6A-3918BBA0040A}" v="46" dt="2019-08-29T13:32:54.181"/>
     <p1510:client id="{95B7097B-AFA8-C60B-A4AA-F2F138574C2C}" v="323" dt="2019-08-29T14:19:14.468"/>
@@ -141,6 +143,7 @@
     <p1510:client id="{C3C91E3A-A600-20DD-B530-BE93992DE5DC}" v="38" dt="2019-08-29T12:58:57.001"/>
     <p1510:client id="{CF720712-2262-D491-24E6-6F4DF3B8ACBC}" v="639" dt="2019-08-29T13:48:32.095"/>
     <p1510:client id="{D095D2BB-BE20-46B9-8201-229C780F9461}" v="5" dt="2019-08-30T01:31:40.576"/>
+    <p1510:client id="{D949DE8F-69EC-484E-8CBD-42CBFF8DE462}" v="7" dt="2019-08-30T03:29:58.605"/>
     <p1510:client id="{FEB43B76-33D2-4D44-828D-88763656F058}" v="348" dt="2019-08-29T13:54:33.713"/>
     <p1510:client id="{FF925E32-8506-45E8-952C-BB3670A35209}" v="5" dt="2019-08-30T01:27:51.927"/>
   </p1510:revLst>
@@ -3189,9 +3192,6 @@
         <a:blipFill>
           <a:blip xmlns:r="http://schemas.openxmlformats.org/officeDocument/2006/relationships" r:embed="rId1">
             <a:extLst>
-              <a:ext uri="{28A0092B-C50C-407E-A947-70E740481C1C}">
-                <a14:useLocalDpi xmlns:a14="http://schemas.microsoft.com/office/drawing/2010/main" val="0"/>
-              </a:ext>
               <a:ext uri="{96DAC541-7B7A-43D3-8B79-37D633B846F1}">
                 <asvg:svgBlip xmlns:asvg="http://schemas.microsoft.com/office/drawing/2016/SVG/main" r:embed="rId2"/>
               </a:ext>
@@ -3207,7 +3207,7 @@
       </dgm:spPr>
       <dgm:extLst>
         <a:ext uri="{E40237B7-FDA0-4F09-8148-C483321AD2D9}">
-          <dgm14:cNvPr xmlns:dgm14="http://schemas.microsoft.com/office/drawing/2010/diagram" id="0" name="" descr="Pine Decoration"/>
+          <dgm14:cNvPr xmlns:dgm14="http://schemas.microsoft.com/office/drawing/2010/diagram" id="0" name="" descr="选中标记"/>
         </a:ext>
       </dgm:extLst>
     </dgm:pt>
@@ -3242,9 +3242,6 @@
         <a:blipFill>
           <a:blip xmlns:r="http://schemas.openxmlformats.org/officeDocument/2006/relationships" r:embed="rId3">
             <a:extLst>
-              <a:ext uri="{28A0092B-C50C-407E-A947-70E740481C1C}">
-                <a14:useLocalDpi xmlns:a14="http://schemas.microsoft.com/office/drawing/2010/main" val="0"/>
-              </a:ext>
               <a:ext uri="{96DAC541-7B7A-43D3-8B79-37D633B846F1}">
                 <asvg:svgBlip xmlns:asvg="http://schemas.microsoft.com/office/drawing/2016/SVG/main" r:embed="rId4"/>
               </a:ext>
@@ -3260,7 +3257,7 @@
       </dgm:spPr>
       <dgm:extLst>
         <a:ext uri="{E40237B7-FDA0-4F09-8148-C483321AD2D9}">
-          <dgm14:cNvPr xmlns:dgm14="http://schemas.microsoft.com/office/drawing/2010/diagram" id="0" name="" descr="Laptop"/>
+          <dgm14:cNvPr xmlns:dgm14="http://schemas.microsoft.com/office/drawing/2010/diagram" id="0" name="" descr="选中标记"/>
         </a:ext>
       </dgm:extLst>
     </dgm:pt>
@@ -3383,37 +3380,37 @@
   </dgm:ptLst>
   <dgm:cxnLst>
     <dgm:cxn modelId="{34EAC104-1374-49D5-943D-0A0E7A8807D4}" srcId="{BCDF2F5A-6D61-41B5-B75E-F0DFB927754F}" destId="{B691CCD7-1C2F-49AC-AFC4-4F935BFC52BC}" srcOrd="1" destOrd="0" parTransId="{5E2B6CE8-8EF4-463E-BC02-F44BDFB4C0F2}" sibTransId="{D7E329C7-7E3A-46CC-BD54-19194D642384}"/>
+    <dgm:cxn modelId="{A6953C19-70B8-4D0E-9968-2843149826E2}" type="presOf" srcId="{3774B3A0-C655-423F-909C-A8452AA586CC}" destId="{A1C427DB-1828-4E81-8F7A-E43211A8D086}" srcOrd="0" destOrd="0" presId="urn:microsoft.com/office/officeart/2018/2/layout/IconVerticalSolidList"/>
     <dgm:cxn modelId="{B42AE723-F09E-4B29-BB75-49C8D715AB32}" srcId="{BCDF2F5A-6D61-41B5-B75E-F0DFB927754F}" destId="{3774B3A0-C655-423F-909C-A8452AA586CC}" srcOrd="3" destOrd="0" parTransId="{B1EE7E73-0EDA-441D-99CC-7F242C16EBEF}" sibTransId="{4D032A15-52E0-4356-ACD2-D9D47163943F}"/>
-    <dgm:cxn modelId="{C7237628-386A-482D-A2C2-0B77D152E427}" type="presOf" srcId="{B691CCD7-1C2F-49AC-AFC4-4F935BFC52BC}" destId="{37B9CD96-DD7E-40E1-B861-333C21CABB14}" srcOrd="0" destOrd="0" presId="urn:microsoft.com/office/officeart/2018/2/layout/IconVerticalSolidList"/>
     <dgm:cxn modelId="{3D7FE040-D4FD-42CC-B70C-3CAAA7E0370F}" srcId="{BCDF2F5A-6D61-41B5-B75E-F0DFB927754F}" destId="{A850D7F1-3CDC-40F0-9FD5-5DE591A2DF2F}" srcOrd="2" destOrd="0" parTransId="{0C6567D9-45EF-4450-BAD7-18038280965D}" sibTransId="{EBDD4464-E781-42A1-81F4-9D5D734E18D6}"/>
-    <dgm:cxn modelId="{8E45244B-F756-4F52-B75B-BB453E70D374}" type="presOf" srcId="{3774B3A0-C655-423F-909C-A8452AA586CC}" destId="{A1C427DB-1828-4E81-8F7A-E43211A8D086}" srcOrd="0" destOrd="0" presId="urn:microsoft.com/office/officeart/2018/2/layout/IconVerticalSolidList"/>
-    <dgm:cxn modelId="{2E01C24E-8F0A-4644-94B8-AF12FBA67C4E}" type="presOf" srcId="{A850D7F1-3CDC-40F0-9FD5-5DE591A2DF2F}" destId="{B9DC4B9C-3412-4631-8A99-B6A2C628F77B}" srcOrd="0" destOrd="0" presId="urn:microsoft.com/office/officeart/2018/2/layout/IconVerticalSolidList"/>
+    <dgm:cxn modelId="{99F24D8F-85AE-4FD1-AD20-4C80A7762697}" type="presOf" srcId="{BCDF2F5A-6D61-41B5-B75E-F0DFB927754F}" destId="{58F52CFE-2987-4A53-892D-D88631233A77}" srcOrd="0" destOrd="0" presId="urn:microsoft.com/office/officeart/2018/2/layout/IconVerticalSolidList"/>
     <dgm:cxn modelId="{5C76D095-64D5-4804-87AB-B9B6172BDEA1}" srcId="{BCDF2F5A-6D61-41B5-B75E-F0DFB927754F}" destId="{86961D32-AE21-4EE4-9C63-CB6D7ED1EA53}" srcOrd="0" destOrd="0" parTransId="{21FC15B5-10A7-432B-9031-236D980E0C50}" sibTransId="{55933D14-5343-4DF0-BE26-891E09C099B9}"/>
-    <dgm:cxn modelId="{482584BC-CD47-42A4-A369-40B5C944D1C1}" type="presOf" srcId="{BCDF2F5A-6D61-41B5-B75E-F0DFB927754F}" destId="{58F52CFE-2987-4A53-892D-D88631233A77}" srcOrd="0" destOrd="0" presId="urn:microsoft.com/office/officeart/2018/2/layout/IconVerticalSolidList"/>
-    <dgm:cxn modelId="{7BDAE3FA-72EE-46DE-9815-1BC275B10CA9}" type="presOf" srcId="{86961D32-AE21-4EE4-9C63-CB6D7ED1EA53}" destId="{7D298C00-C7EE-4494-BEE6-E1CD57611F14}" srcOrd="0" destOrd="0" presId="urn:microsoft.com/office/officeart/2018/2/layout/IconVerticalSolidList"/>
-    <dgm:cxn modelId="{49C87390-3607-4AC6-95D6-1BF345C83B41}" type="presParOf" srcId="{58F52CFE-2987-4A53-892D-D88631233A77}" destId="{87D9520E-566F-413F-BC58-E7A682F24D28}" srcOrd="0" destOrd="0" presId="urn:microsoft.com/office/officeart/2018/2/layout/IconVerticalSolidList"/>
-    <dgm:cxn modelId="{794C57DF-C49D-483C-A46D-F14643715026}" type="presParOf" srcId="{87D9520E-566F-413F-BC58-E7A682F24D28}" destId="{77687CFE-6F7F-4B5F-AB34-F492C1980711}" srcOrd="0" destOrd="0" presId="urn:microsoft.com/office/officeart/2018/2/layout/IconVerticalSolidList"/>
-    <dgm:cxn modelId="{6D524EDD-CA5C-4C72-B431-368DE92B5EB2}" type="presParOf" srcId="{87D9520E-566F-413F-BC58-E7A682F24D28}" destId="{CE9BA070-FD19-442E-AB31-D5EF26DCBBA3}" srcOrd="1" destOrd="0" presId="urn:microsoft.com/office/officeart/2018/2/layout/IconVerticalSolidList"/>
-    <dgm:cxn modelId="{513C18B6-5C57-46E2-9014-79C144244404}" type="presParOf" srcId="{87D9520E-566F-413F-BC58-E7A682F24D28}" destId="{96D6D562-9413-4434-BED9-CEBA8E4B011C}" srcOrd="2" destOrd="0" presId="urn:microsoft.com/office/officeart/2018/2/layout/IconVerticalSolidList"/>
-    <dgm:cxn modelId="{CF09C6EB-65E7-4B10-8080-1A401B829FFB}" type="presParOf" srcId="{87D9520E-566F-413F-BC58-E7A682F24D28}" destId="{7D298C00-C7EE-4494-BEE6-E1CD57611F14}" srcOrd="3" destOrd="0" presId="urn:microsoft.com/office/officeart/2018/2/layout/IconVerticalSolidList"/>
-    <dgm:cxn modelId="{0AB0C5A1-1F36-4224-806A-E3E174683CBF}" type="presParOf" srcId="{58F52CFE-2987-4A53-892D-D88631233A77}" destId="{8F5E9926-62CE-438A-ADCF-7507FF02BF5B}" srcOrd="1" destOrd="0" presId="urn:microsoft.com/office/officeart/2018/2/layout/IconVerticalSolidList"/>
-    <dgm:cxn modelId="{637A1798-03CF-4853-BD0F-E8381E45BF88}" type="presParOf" srcId="{58F52CFE-2987-4A53-892D-D88631233A77}" destId="{3B95E9F9-BF9E-4D32-B1F3-72354EC626DB}" srcOrd="2" destOrd="0" presId="urn:microsoft.com/office/officeart/2018/2/layout/IconVerticalSolidList"/>
-    <dgm:cxn modelId="{6BC09791-F498-4309-89EB-76FECC492C90}" type="presParOf" srcId="{3B95E9F9-BF9E-4D32-B1F3-72354EC626DB}" destId="{32A8BFE2-0CD4-44F8-9561-9415E3372711}" srcOrd="0" destOrd="0" presId="urn:microsoft.com/office/officeart/2018/2/layout/IconVerticalSolidList"/>
-    <dgm:cxn modelId="{0245E8D7-4BE0-4B3A-B904-84A71A797199}" type="presParOf" srcId="{3B95E9F9-BF9E-4D32-B1F3-72354EC626DB}" destId="{9C641018-2181-4186-962E-F74AD68D006F}" srcOrd="1" destOrd="0" presId="urn:microsoft.com/office/officeart/2018/2/layout/IconVerticalSolidList"/>
-    <dgm:cxn modelId="{6046B9BD-87DC-45D2-854E-24BC4B9D5034}" type="presParOf" srcId="{3B95E9F9-BF9E-4D32-B1F3-72354EC626DB}" destId="{F06459A4-3C77-4712-92C3-8AE8FBF6F5AF}" srcOrd="2" destOrd="0" presId="urn:microsoft.com/office/officeart/2018/2/layout/IconVerticalSolidList"/>
-    <dgm:cxn modelId="{6F1561BA-D048-40A1-9A4A-4CBC555C44AC}" type="presParOf" srcId="{3B95E9F9-BF9E-4D32-B1F3-72354EC626DB}" destId="{37B9CD96-DD7E-40E1-B861-333C21CABB14}" srcOrd="3" destOrd="0" presId="urn:microsoft.com/office/officeart/2018/2/layout/IconVerticalSolidList"/>
-    <dgm:cxn modelId="{600E8D54-AB63-467A-8189-33C14961E6FE}" type="presParOf" srcId="{58F52CFE-2987-4A53-892D-D88631233A77}" destId="{5F0C60E9-9612-4E11-9AB7-BB98F41184C1}" srcOrd="3" destOrd="0" presId="urn:microsoft.com/office/officeart/2018/2/layout/IconVerticalSolidList"/>
-    <dgm:cxn modelId="{40F98F9C-54BA-4F6B-9027-53B87C2932CB}" type="presParOf" srcId="{58F52CFE-2987-4A53-892D-D88631233A77}" destId="{CB459E52-028F-4918-947E-2E30CE6575B1}" srcOrd="4" destOrd="0" presId="urn:microsoft.com/office/officeart/2018/2/layout/IconVerticalSolidList"/>
-    <dgm:cxn modelId="{4B30DCE1-9897-415A-AF61-F320BB21B25D}" type="presParOf" srcId="{CB459E52-028F-4918-947E-2E30CE6575B1}" destId="{8272AF9A-4963-4FB5-8345-F441B481CEFA}" srcOrd="0" destOrd="0" presId="urn:microsoft.com/office/officeart/2018/2/layout/IconVerticalSolidList"/>
-    <dgm:cxn modelId="{39280173-3A83-4F40-A565-4701358C8776}" type="presParOf" srcId="{CB459E52-028F-4918-947E-2E30CE6575B1}" destId="{6717FBD2-474F-4E52-BDC1-D993D5C6BF19}" srcOrd="1" destOrd="0" presId="urn:microsoft.com/office/officeart/2018/2/layout/IconVerticalSolidList"/>
-    <dgm:cxn modelId="{C5A7B4E5-ABDF-4538-93D1-4C0C93D8602F}" type="presParOf" srcId="{CB459E52-028F-4918-947E-2E30CE6575B1}" destId="{82238F17-9CA2-4C4D-B441-86CECCD3C682}" srcOrd="2" destOrd="0" presId="urn:microsoft.com/office/officeart/2018/2/layout/IconVerticalSolidList"/>
-    <dgm:cxn modelId="{BB02985E-7D34-4E9F-AA46-14D14D00B28B}" type="presParOf" srcId="{CB459E52-028F-4918-947E-2E30CE6575B1}" destId="{B9DC4B9C-3412-4631-8A99-B6A2C628F77B}" srcOrd="3" destOrd="0" presId="urn:microsoft.com/office/officeart/2018/2/layout/IconVerticalSolidList"/>
-    <dgm:cxn modelId="{7BE2B109-DF11-4BAE-A590-26F554E24667}" type="presParOf" srcId="{58F52CFE-2987-4A53-892D-D88631233A77}" destId="{6954298B-8F5C-4B3E-97E8-B2762A0F0949}" srcOrd="5" destOrd="0" presId="urn:microsoft.com/office/officeart/2018/2/layout/IconVerticalSolidList"/>
-    <dgm:cxn modelId="{67AF9F30-30C5-4B85-9C03-B6977FD6830A}" type="presParOf" srcId="{58F52CFE-2987-4A53-892D-D88631233A77}" destId="{9E152515-4188-4A0A-8A06-4C838E17B00D}" srcOrd="6" destOrd="0" presId="urn:microsoft.com/office/officeart/2018/2/layout/IconVerticalSolidList"/>
-    <dgm:cxn modelId="{F9AB2D83-440E-4391-877B-2764475F3FC4}" type="presParOf" srcId="{9E152515-4188-4A0A-8A06-4C838E17B00D}" destId="{B939FA56-B39E-4999-8BF7-B87FABD6EB7C}" srcOrd="0" destOrd="0" presId="urn:microsoft.com/office/officeart/2018/2/layout/IconVerticalSolidList"/>
-    <dgm:cxn modelId="{D4A8852F-F8DF-44B2-8CB8-38AA8C9FB920}" type="presParOf" srcId="{9E152515-4188-4A0A-8A06-4C838E17B00D}" destId="{E9CE68F1-939B-4622-9EFF-071095933305}" srcOrd="1" destOrd="0" presId="urn:microsoft.com/office/officeart/2018/2/layout/IconVerticalSolidList"/>
-    <dgm:cxn modelId="{178C36F4-A38E-4116-ADB6-2811E108F0E0}" type="presParOf" srcId="{9E152515-4188-4A0A-8A06-4C838E17B00D}" destId="{58E10165-A430-4078-A373-C51149E9D76A}" srcOrd="2" destOrd="0" presId="urn:microsoft.com/office/officeart/2018/2/layout/IconVerticalSolidList"/>
-    <dgm:cxn modelId="{40A458B1-527A-48E7-B8F8-571F8D9ED33F}" type="presParOf" srcId="{9E152515-4188-4A0A-8A06-4C838E17B00D}" destId="{A1C427DB-1828-4E81-8F7A-E43211A8D086}" srcOrd="3" destOrd="0" presId="urn:microsoft.com/office/officeart/2018/2/layout/IconVerticalSolidList"/>
+    <dgm:cxn modelId="{2DC8E999-7CC6-49E1-A9BF-02591463FAAF}" type="presOf" srcId="{B691CCD7-1C2F-49AC-AFC4-4F935BFC52BC}" destId="{37B9CD96-DD7E-40E1-B861-333C21CABB14}" srcOrd="0" destOrd="0" presId="urn:microsoft.com/office/officeart/2018/2/layout/IconVerticalSolidList"/>
+    <dgm:cxn modelId="{BF6F5CA9-581D-4D34-B8FB-33871D435D95}" type="presOf" srcId="{86961D32-AE21-4EE4-9C63-CB6D7ED1EA53}" destId="{7D298C00-C7EE-4494-BEE6-E1CD57611F14}" srcOrd="0" destOrd="0" presId="urn:microsoft.com/office/officeart/2018/2/layout/IconVerticalSolidList"/>
+    <dgm:cxn modelId="{67F242B6-4FED-4742-9921-5C5F99D0AC1C}" type="presOf" srcId="{A850D7F1-3CDC-40F0-9FD5-5DE591A2DF2F}" destId="{B9DC4B9C-3412-4631-8A99-B6A2C628F77B}" srcOrd="0" destOrd="0" presId="urn:microsoft.com/office/officeart/2018/2/layout/IconVerticalSolidList"/>
+    <dgm:cxn modelId="{6A7164DE-60AC-432C-9A9F-5B107AF8465D}" type="presParOf" srcId="{58F52CFE-2987-4A53-892D-D88631233A77}" destId="{87D9520E-566F-413F-BC58-E7A682F24D28}" srcOrd="0" destOrd="0" presId="urn:microsoft.com/office/officeart/2018/2/layout/IconVerticalSolidList"/>
+    <dgm:cxn modelId="{DC2F57B7-74B8-4E5B-9336-3F67AB5CB63A}" type="presParOf" srcId="{87D9520E-566F-413F-BC58-E7A682F24D28}" destId="{77687CFE-6F7F-4B5F-AB34-F492C1980711}" srcOrd="0" destOrd="0" presId="urn:microsoft.com/office/officeart/2018/2/layout/IconVerticalSolidList"/>
+    <dgm:cxn modelId="{869DBCD6-F492-4709-B591-2EAE3B66D13B}" type="presParOf" srcId="{87D9520E-566F-413F-BC58-E7A682F24D28}" destId="{CE9BA070-FD19-442E-AB31-D5EF26DCBBA3}" srcOrd="1" destOrd="0" presId="urn:microsoft.com/office/officeart/2018/2/layout/IconVerticalSolidList"/>
+    <dgm:cxn modelId="{ACCA4B49-11E3-4EA6-9D05-DCF26ECFE1A9}" type="presParOf" srcId="{87D9520E-566F-413F-BC58-E7A682F24D28}" destId="{96D6D562-9413-4434-BED9-CEBA8E4B011C}" srcOrd="2" destOrd="0" presId="urn:microsoft.com/office/officeart/2018/2/layout/IconVerticalSolidList"/>
+    <dgm:cxn modelId="{7B3CBFF9-E775-4F90-9C53-73E22B454A45}" type="presParOf" srcId="{87D9520E-566F-413F-BC58-E7A682F24D28}" destId="{7D298C00-C7EE-4494-BEE6-E1CD57611F14}" srcOrd="3" destOrd="0" presId="urn:microsoft.com/office/officeart/2018/2/layout/IconVerticalSolidList"/>
+    <dgm:cxn modelId="{4EF5BBE3-3B2A-4EE8-8045-AEA61D5B1052}" type="presParOf" srcId="{58F52CFE-2987-4A53-892D-D88631233A77}" destId="{8F5E9926-62CE-438A-ADCF-7507FF02BF5B}" srcOrd="1" destOrd="0" presId="urn:microsoft.com/office/officeart/2018/2/layout/IconVerticalSolidList"/>
+    <dgm:cxn modelId="{EB022AA7-AC00-40D6-867D-E9017F3D2E16}" type="presParOf" srcId="{58F52CFE-2987-4A53-892D-D88631233A77}" destId="{3B95E9F9-BF9E-4D32-B1F3-72354EC626DB}" srcOrd="2" destOrd="0" presId="urn:microsoft.com/office/officeart/2018/2/layout/IconVerticalSolidList"/>
+    <dgm:cxn modelId="{F76F334F-02C6-47B0-9B9E-02AAB2C3C8E0}" type="presParOf" srcId="{3B95E9F9-BF9E-4D32-B1F3-72354EC626DB}" destId="{32A8BFE2-0CD4-44F8-9561-9415E3372711}" srcOrd="0" destOrd="0" presId="urn:microsoft.com/office/officeart/2018/2/layout/IconVerticalSolidList"/>
+    <dgm:cxn modelId="{A2D9CEDE-B5DF-471B-87EB-D484577C3EB6}" type="presParOf" srcId="{3B95E9F9-BF9E-4D32-B1F3-72354EC626DB}" destId="{9C641018-2181-4186-962E-F74AD68D006F}" srcOrd="1" destOrd="0" presId="urn:microsoft.com/office/officeart/2018/2/layout/IconVerticalSolidList"/>
+    <dgm:cxn modelId="{01B33983-FC9C-4EAC-A979-22DAF54E9956}" type="presParOf" srcId="{3B95E9F9-BF9E-4D32-B1F3-72354EC626DB}" destId="{F06459A4-3C77-4712-92C3-8AE8FBF6F5AF}" srcOrd="2" destOrd="0" presId="urn:microsoft.com/office/officeart/2018/2/layout/IconVerticalSolidList"/>
+    <dgm:cxn modelId="{FFE62C6C-827A-4AF2-A923-CF8EAB89126C}" type="presParOf" srcId="{3B95E9F9-BF9E-4D32-B1F3-72354EC626DB}" destId="{37B9CD96-DD7E-40E1-B861-333C21CABB14}" srcOrd="3" destOrd="0" presId="urn:microsoft.com/office/officeart/2018/2/layout/IconVerticalSolidList"/>
+    <dgm:cxn modelId="{17A31E84-055C-45D3-A6DF-7E0E1C3A1FEA}" type="presParOf" srcId="{58F52CFE-2987-4A53-892D-D88631233A77}" destId="{5F0C60E9-9612-4E11-9AB7-BB98F41184C1}" srcOrd="3" destOrd="0" presId="urn:microsoft.com/office/officeart/2018/2/layout/IconVerticalSolidList"/>
+    <dgm:cxn modelId="{861CBDBA-DBD4-4626-8F75-DFCEF93D5B20}" type="presParOf" srcId="{58F52CFE-2987-4A53-892D-D88631233A77}" destId="{CB459E52-028F-4918-947E-2E30CE6575B1}" srcOrd="4" destOrd="0" presId="urn:microsoft.com/office/officeart/2018/2/layout/IconVerticalSolidList"/>
+    <dgm:cxn modelId="{23A073B5-DFF5-4D03-8134-17D8CF1BB435}" type="presParOf" srcId="{CB459E52-028F-4918-947E-2E30CE6575B1}" destId="{8272AF9A-4963-4FB5-8345-F441B481CEFA}" srcOrd="0" destOrd="0" presId="urn:microsoft.com/office/officeart/2018/2/layout/IconVerticalSolidList"/>
+    <dgm:cxn modelId="{9FE5BD4D-54E9-4B9E-A566-2A2675472139}" type="presParOf" srcId="{CB459E52-028F-4918-947E-2E30CE6575B1}" destId="{6717FBD2-474F-4E52-BDC1-D993D5C6BF19}" srcOrd="1" destOrd="0" presId="urn:microsoft.com/office/officeart/2018/2/layout/IconVerticalSolidList"/>
+    <dgm:cxn modelId="{82F54DCD-B973-47CB-88DE-9AE7EB1CF8EA}" type="presParOf" srcId="{CB459E52-028F-4918-947E-2E30CE6575B1}" destId="{82238F17-9CA2-4C4D-B441-86CECCD3C682}" srcOrd="2" destOrd="0" presId="urn:microsoft.com/office/officeart/2018/2/layout/IconVerticalSolidList"/>
+    <dgm:cxn modelId="{F8DF307E-D239-439B-ADEB-606128F0CBF6}" type="presParOf" srcId="{CB459E52-028F-4918-947E-2E30CE6575B1}" destId="{B9DC4B9C-3412-4631-8A99-B6A2C628F77B}" srcOrd="3" destOrd="0" presId="urn:microsoft.com/office/officeart/2018/2/layout/IconVerticalSolidList"/>
+    <dgm:cxn modelId="{27EAEC34-F605-497F-A386-DD414FC57252}" type="presParOf" srcId="{58F52CFE-2987-4A53-892D-D88631233A77}" destId="{6954298B-8F5C-4B3E-97E8-B2762A0F0949}" srcOrd="5" destOrd="0" presId="urn:microsoft.com/office/officeart/2018/2/layout/IconVerticalSolidList"/>
+    <dgm:cxn modelId="{DD455134-C2DF-4EC6-B679-79A5060ADDC1}" type="presParOf" srcId="{58F52CFE-2987-4A53-892D-D88631233A77}" destId="{9E152515-4188-4A0A-8A06-4C838E17B00D}" srcOrd="6" destOrd="0" presId="urn:microsoft.com/office/officeart/2018/2/layout/IconVerticalSolidList"/>
+    <dgm:cxn modelId="{B713B0E2-E71D-40E3-9DFB-970134F37A69}" type="presParOf" srcId="{9E152515-4188-4A0A-8A06-4C838E17B00D}" destId="{B939FA56-B39E-4999-8BF7-B87FABD6EB7C}" srcOrd="0" destOrd="0" presId="urn:microsoft.com/office/officeart/2018/2/layout/IconVerticalSolidList"/>
+    <dgm:cxn modelId="{7C0ACE98-A52C-4E9C-BC36-53200E07A436}" type="presParOf" srcId="{9E152515-4188-4A0A-8A06-4C838E17B00D}" destId="{E9CE68F1-939B-4622-9EFF-071095933305}" srcOrd="1" destOrd="0" presId="urn:microsoft.com/office/officeart/2018/2/layout/IconVerticalSolidList"/>
+    <dgm:cxn modelId="{D368E0EA-D785-4FEB-ABD6-42D30CAD6C4A}" type="presParOf" srcId="{9E152515-4188-4A0A-8A06-4C838E17B00D}" destId="{58E10165-A430-4078-A373-C51149E9D76A}" srcOrd="2" destOrd="0" presId="urn:microsoft.com/office/officeart/2018/2/layout/IconVerticalSolidList"/>
+    <dgm:cxn modelId="{C09001D0-3CAF-4788-BA23-A401835C589C}" type="presParOf" srcId="{9E152515-4188-4A0A-8A06-4C838E17B00D}" destId="{A1C427DB-1828-4E81-8F7A-E43211A8D086}" srcOrd="3" destOrd="0" presId="urn:microsoft.com/office/officeart/2018/2/layout/IconVerticalSolidList"/>
   </dgm:cxnLst>
   <dgm:bg/>
   <dgm:whole/>
@@ -3720,16 +3717,16 @@
         <a:lstStyle/>
         <a:p>
           <a:r>
-            <a:rPr lang="en-US" altLang="zh-CN">
+            <a:rPr lang="en-US" altLang="zh-CN" dirty="0">
               <a:latin typeface="Calibri Light" panose="020F0302020204030204"/>
             </a:rPr>
             <a:t>Created</a:t>
           </a:r>
           <a:r>
-            <a:rPr lang="zh-CN"/>
+            <a:rPr lang="zh-CN" dirty="0"/>
             <a:t> work log for each member </a:t>
           </a:r>
-          <a:endParaRPr lang="en-US"/>
+          <a:endParaRPr lang="en-US" dirty="0"/>
         </a:p>
       </dgm:t>
     </dgm:pt>
@@ -3998,16 +3995,24 @@
         <a:p>
           <a:pPr rtl="0"/>
           <a:r>
-            <a:rPr lang="zh-CN" altLang="en-US">
+            <a:rPr lang="zh-CN" altLang="en-US" dirty="0">
               <a:latin typeface="Calibri Light" panose="020F0302020204030204"/>
             </a:rPr>
             <a:t>Scheduling </a:t>
           </a:r>
           <a:r>
-            <a:rPr lang="zh-CN"/>
-            <a:t>the visit to rendering plant </a:t>
+            <a:rPr lang="zh-CN" dirty="0"/>
+            <a:t>the visit to </a:t>
           </a:r>
-          <a:endParaRPr lang="en-US"/>
+          <a:r>
+            <a:rPr lang="en-US" altLang="zh-CN" dirty="0"/>
+            <a:t>a commercial </a:t>
+          </a:r>
+          <a:r>
+            <a:rPr lang="zh-CN" dirty="0"/>
+            <a:t>rendering plant </a:t>
+          </a:r>
+          <a:endParaRPr lang="en-US" dirty="0"/>
         </a:p>
       </dgm:t>
     </dgm:pt>
@@ -4042,28 +4047,42 @@
         <a:p>
           <a:pPr rtl="0"/>
           <a:r>
-            <a:rPr lang="en-US" altLang="zh-CN">
+            <a:rPr lang="en-US" altLang="zh-CN" dirty="0">
               <a:latin typeface="Calibri Light" panose="020F0302020204030204"/>
             </a:rPr>
-            <a:t>Communicating with ANU PhD and industry experts </a:t>
+            <a:t>Communicating with ANU PhD’s and industry experts </a:t>
           </a:r>
           <a:r>
-            <a:rPr lang="zh-CN" altLang="en-US">
+            <a:rPr lang="zh-CN" altLang="en-US" dirty="0">
               <a:latin typeface="Calibri Light" panose="020F0302020204030204"/>
             </a:rPr>
             <a:t> </a:t>
           </a:r>
-          <a:endParaRPr lang="en-US" altLang="zh-CN"/>
+          <a:endParaRPr lang="en-US" altLang="zh-CN" dirty="0"/>
         </a:p>
       </dgm:t>
     </dgm:pt>
     <dgm:pt modelId="{ECB40D07-EEEA-4BDC-B460-309803717866}" type="parTrans" cxnId="{95022648-96EF-47EA-8FBC-4BA63A1117AD}">
       <dgm:prSet/>
       <dgm:spPr/>
+      <dgm:t>
+        <a:bodyPr/>
+        <a:lstStyle/>
+        <a:p>
+          <a:endParaRPr lang="en-AU"/>
+        </a:p>
+      </dgm:t>
     </dgm:pt>
     <dgm:pt modelId="{3F1E5801-5D61-408F-86D5-4FAE02F3BE3A}" type="sibTrans" cxnId="{95022648-96EF-47EA-8FBC-4BA63A1117AD}">
       <dgm:prSet/>
       <dgm:spPr/>
+      <dgm:t>
+        <a:bodyPr/>
+        <a:lstStyle/>
+        <a:p>
+          <a:endParaRPr lang="en-AU"/>
+        </a:p>
+      </dgm:t>
     </dgm:pt>
     <dgm:pt modelId="{36AE6825-A4A1-4316-9C2F-C4A9FD06E01B}" type="pres">
       <dgm:prSet presAssocID="{A996731C-0FD9-45AC-98C5-E596F0447302}" presName="linear" presStyleCnt="0">
@@ -4834,9 +4853,6 @@
         <a:blipFill>
           <a:blip xmlns:r="http://schemas.openxmlformats.org/officeDocument/2006/relationships" r:embed="rId1">
             <a:extLst>
-              <a:ext uri="{28A0092B-C50C-407E-A947-70E740481C1C}">
-                <a14:useLocalDpi xmlns:a14="http://schemas.microsoft.com/office/drawing/2010/main" val="0"/>
-              </a:ext>
               <a:ext uri="{96DAC541-7B7A-43D3-8B79-37D633B846F1}">
                 <asvg:svgBlip xmlns:asvg="http://schemas.microsoft.com/office/drawing/2016/SVG/main" r:embed="rId2"/>
               </a:ext>
@@ -5016,9 +5032,6 @@
         <a:blipFill>
           <a:blip xmlns:r="http://schemas.openxmlformats.org/officeDocument/2006/relationships" r:embed="rId3">
             <a:extLst>
-              <a:ext uri="{28A0092B-C50C-407E-A947-70E740481C1C}">
-                <a14:useLocalDpi xmlns:a14="http://schemas.microsoft.com/office/drawing/2010/main" val="0"/>
-              </a:ext>
               <a:ext uri="{96DAC541-7B7A-43D3-8B79-37D633B846F1}">
                 <asvg:svgBlip xmlns:asvg="http://schemas.microsoft.com/office/drawing/2016/SVG/main" r:embed="rId4"/>
               </a:ext>
@@ -5827,18 +5840,18 @@
             <a:buChar char="•"/>
           </a:pPr>
           <a:r>
-            <a:rPr lang="en-US" altLang="zh-CN" sz="1800" kern="1200">
+            <a:rPr lang="en-US" altLang="zh-CN" sz="1800" kern="1200" dirty="0">
               <a:latin typeface="Calibri Light" panose="020F0302020204030204"/>
             </a:rPr>
-            <a:t>Communicating with ANU PhD and industry experts </a:t>
+            <a:t>Communicating with ANU PhD’s and industry experts </a:t>
           </a:r>
           <a:r>
-            <a:rPr lang="zh-CN" altLang="en-US" sz="1800" kern="1200">
+            <a:rPr lang="zh-CN" altLang="en-US" sz="1800" kern="1200" dirty="0">
               <a:latin typeface="Calibri Light" panose="020F0302020204030204"/>
             </a:rPr>
             <a:t> </a:t>
           </a:r>
-          <a:endParaRPr lang="en-US" altLang="zh-CN" sz="1800" kern="1200"/>
+          <a:endParaRPr lang="en-US" altLang="zh-CN" sz="1800" kern="1200" dirty="0"/>
         </a:p>
       </dsp:txBody>
       <dsp:txXfrm>
@@ -5975,16 +5988,16 @@
             <a:buChar char="•"/>
           </a:pPr>
           <a:r>
-            <a:rPr lang="en-US" altLang="zh-CN" sz="1800" kern="1200">
+            <a:rPr lang="en-US" altLang="zh-CN" sz="1800" kern="1200" dirty="0">
               <a:latin typeface="Calibri Light" panose="020F0302020204030204"/>
             </a:rPr>
             <a:t>Created</a:t>
           </a:r>
           <a:r>
-            <a:rPr lang="zh-CN" sz="1800" kern="1200"/>
+            <a:rPr lang="zh-CN" sz="1800" kern="1200" dirty="0"/>
             <a:t> work log for each member </a:t>
           </a:r>
-          <a:endParaRPr lang="en-US" sz="1800" kern="1200"/>
+          <a:endParaRPr lang="en-US" sz="1800" kern="1200" dirty="0"/>
         </a:p>
         <a:p>
           <a:pPr marL="171450" lvl="1" indent="-171450" algn="l" defTabSz="800100">
@@ -6347,16 +6360,24 @@
             <a:buChar char="•"/>
           </a:pPr>
           <a:r>
-            <a:rPr lang="zh-CN" altLang="en-US" sz="1800" kern="1200">
+            <a:rPr lang="zh-CN" altLang="en-US" sz="1800" kern="1200" dirty="0">
               <a:latin typeface="Calibri Light" panose="020F0302020204030204"/>
             </a:rPr>
             <a:t>Scheduling </a:t>
           </a:r>
           <a:r>
-            <a:rPr lang="zh-CN" sz="1800" kern="1200"/>
-            <a:t>the visit to rendering plant </a:t>
+            <a:rPr lang="zh-CN" sz="1800" kern="1200" dirty="0"/>
+            <a:t>the visit to </a:t>
           </a:r>
-          <a:endParaRPr lang="en-US" sz="1800" kern="1200"/>
+          <a:r>
+            <a:rPr lang="en-US" altLang="zh-CN" sz="1800" kern="1200" dirty="0"/>
+            <a:t>a commercial </a:t>
+          </a:r>
+          <a:r>
+            <a:rPr lang="zh-CN" sz="1800" kern="1200" dirty="0"/>
+            <a:t>rendering plant </a:t>
+          </a:r>
+          <a:endParaRPr lang="en-US" sz="1800" kern="1200" dirty="0"/>
         </a:p>
       </dsp:txBody>
       <dsp:txXfrm>
@@ -14317,7 +14338,7 @@
           <a:p>
             <a:pPr algn="r"/>
             <a:r>
-              <a:rPr lang="zh-CN" altLang="en-US" sz="2000" dirty="0">
+              <a:rPr lang="zh-CN" altLang="en-US" sz="2000">
                 <a:solidFill>
                   <a:srgbClr val="FFFFFF"/>
                 </a:solidFill>
@@ -14328,21 +14349,21 @@
               <a:t>Tutorial T3</a:t>
             </a:r>
             <a:br>
-              <a:rPr lang="zh-CN" altLang="en-US" sz="2000" dirty="0">
+              <a:rPr lang="zh-CN" altLang="en-US" sz="2000">
                 <a:latin typeface="Arial"/>
                 <a:ea typeface="等线 Light"/>
                 <a:cs typeface="Calibri Light"/>
               </a:rPr>
             </a:br>
             <a:br>
-              <a:rPr lang="zh-CN" altLang="en-US" sz="2000" dirty="0">
+              <a:rPr lang="zh-CN" altLang="en-US" sz="2000">
                 <a:latin typeface="Arial"/>
                 <a:ea typeface="等线 Light"/>
                 <a:cs typeface="Calibri Light"/>
               </a:rPr>
             </a:br>
             <a:r>
-              <a:rPr lang="zh-CN" altLang="en-US" sz="2000" dirty="0">
+              <a:rPr lang="zh-CN" altLang="en-US" sz="2000">
                 <a:solidFill>
                   <a:srgbClr val="FFFFFF"/>
                 </a:solidFill>
@@ -14353,14 +14374,14 @@
               <a:t>Derek Tan, Andre Oliver </a:t>
             </a:r>
             <a:br>
-              <a:rPr lang="zh-CN" altLang="en-US" sz="2000" dirty="0">
+              <a:rPr lang="zh-CN" altLang="en-US" sz="2000">
                 <a:latin typeface="Arial"/>
                 <a:ea typeface="等线 Light"/>
                 <a:cs typeface="Calibri Light"/>
               </a:rPr>
             </a:br>
             <a:r>
-              <a:rPr lang="zh-CN" altLang="en-US" sz="2000" dirty="0">
+              <a:rPr lang="zh-CN" altLang="en-US" sz="2000">
                 <a:solidFill>
                   <a:srgbClr val="FFFFFF"/>
                 </a:solidFill>
@@ -14370,7 +14391,7 @@
               </a:rPr>
               <a:t>Jessica Ying, Lily Zhang</a:t>
             </a:r>
-            <a:endParaRPr lang="zh-CN" altLang="en-US" sz="2000" dirty="0">
+            <a:endParaRPr lang="zh-CN" altLang="en-US" sz="2000">
               <a:solidFill>
                 <a:srgbClr val="FFFFFF"/>
               </a:solidFill>
@@ -14467,13 +14488,13 @@
           <a:lstStyle/>
           <a:p>
             <a:r>
-              <a:rPr lang="en-US" dirty="0">
+              <a:rPr lang="en-US">
                 <a:ea typeface="+mj-lt"/>
                 <a:cs typeface="+mj-lt"/>
               </a:rPr>
               <a:t>3D model for our preliminary design</a:t>
             </a:r>
-            <a:endParaRPr lang="en-US" dirty="0"/>
+            <a:endParaRPr lang="en-US"/>
           </a:p>
         </p:txBody>
       </p:sp>
@@ -14547,6 +14568,45 @@
           </a:prstGeom>
         </p:spPr>
       </p:pic>
+      <p:cxnSp>
+        <p:nvCxnSpPr>
+          <p:cNvPr id="3" name="直接箭头连接符 2">
+            <a:extLst>
+              <a:ext uri="{FF2B5EF4-FFF2-40B4-BE49-F238E27FC236}">
+                <a16:creationId xmlns:a16="http://schemas.microsoft.com/office/drawing/2014/main" id="{BE533937-A71D-4EE6-93F7-6FC8030F547A}"/>
+              </a:ext>
+            </a:extLst>
+          </p:cNvPr>
+          <p:cNvCxnSpPr/>
+          <p:nvPr/>
+        </p:nvCxnSpPr>
+        <p:spPr>
+          <a:xfrm flipH="1">
+            <a:off x="4870778" y="1187779"/>
+            <a:ext cx="17518" cy="5307723"/>
+          </a:xfrm>
+          <a:prstGeom prst="straightConnector1">
+            <a:avLst/>
+          </a:prstGeom>
+          <a:ln w="57150">
+            <a:prstDash val="sysDot"/>
+          </a:ln>
+        </p:spPr>
+        <p:style>
+          <a:lnRef idx="3">
+            <a:schemeClr val="accent2"/>
+          </a:lnRef>
+          <a:fillRef idx="0">
+            <a:schemeClr val="accent2"/>
+          </a:fillRef>
+          <a:effectRef idx="2">
+            <a:schemeClr val="accent2"/>
+          </a:effectRef>
+          <a:fontRef idx="minor">
+            <a:schemeClr val="tx1"/>
+          </a:fontRef>
+        </p:style>
+      </p:cxnSp>
     </p:spTree>
     <p:extLst>
       <p:ext uri="{BB962C8B-B14F-4D97-AF65-F5344CB8AC3E}">
@@ -14712,7 +14772,7 @@
             <a:prstTxWarp prst="textNoShape">
               <a:avLst/>
             </a:prstTxWarp>
-            <a:normAutofit lnSpcReduction="10000"/>
+            <a:normAutofit/>
           </a:bodyPr>
           <a:lstStyle/>
           <a:p>
@@ -14725,7 +14785,7 @@
               </a:spcAft>
             </a:pPr>
             <a:r>
-              <a:rPr lang="en-US" altLang="zh-CN" sz="3200" b="1">
+              <a:rPr lang="en-US" altLang="zh-CN" sz="3200" b="1" dirty="0">
                 <a:ea typeface="等线"/>
                 <a:cs typeface="Calibri" panose="020F0502020204030204"/>
               </a:rPr>
@@ -14741,7 +14801,7 @@
                 <a:spcPts val="600"/>
               </a:spcAft>
             </a:pPr>
-            <a:endParaRPr lang="en-US" altLang="zh-CN" sz="1200" b="1">
+            <a:endParaRPr lang="en-US" altLang="zh-CN" sz="1200" b="1" dirty="0">
               <a:ea typeface="等线"/>
               <a:cs typeface="Calibri" panose="020F0502020204030204"/>
             </a:endParaRPr>
@@ -14756,11 +14816,11 @@
               </a:spcAft>
             </a:pPr>
             <a:r>
-              <a:rPr lang="en-US" altLang="zh-CN" sz="2400">
+              <a:rPr lang="en-US" altLang="zh-CN" sz="2400" dirty="0">
                 <a:ea typeface="等线"/>
                 <a:cs typeface="Calibri" panose="020F0502020204030204"/>
               </a:rPr>
-              <a:t>1. Internet search how they works and their cons and pros.</a:t>
+              <a:t>1. Internet search how they work and their cons and pros.</a:t>
             </a:r>
           </a:p>
           <a:p>
@@ -14772,7 +14832,7 @@
                 <a:spcPts val="600"/>
               </a:spcAft>
             </a:pPr>
-            <a:endParaRPr lang="en-US" altLang="zh-CN" sz="600">
+            <a:endParaRPr lang="en-US" altLang="zh-CN" sz="600" dirty="0">
               <a:ea typeface="等线"/>
               <a:cs typeface="Calibri" panose="020F0502020204030204"/>
             </a:endParaRPr>
@@ -14787,11 +14847,11 @@
               </a:spcAft>
             </a:pPr>
             <a:r>
-              <a:rPr lang="en-US" altLang="zh-CN" sz="2400">
+              <a:rPr lang="en-US" altLang="zh-CN" sz="2400" dirty="0">
                 <a:ea typeface="等线"/>
                 <a:cs typeface="Calibri" panose="020F0502020204030204"/>
               </a:rPr>
-              <a:t>2. Check the which process is more popular in the market on animal fat extraction processing – the manufactures and the companies who are using the plants.</a:t>
+              <a:t>2. Check which process is more popular in the market on animal fat extraction processing – the manufactures and the companies who are using the plants.</a:t>
             </a:r>
           </a:p>
           <a:p>
@@ -14803,7 +14863,7 @@
                 <a:spcPts val="600"/>
               </a:spcAft>
             </a:pPr>
-            <a:endParaRPr lang="en-US" altLang="zh-CN" sz="700">
+            <a:endParaRPr lang="en-US" altLang="zh-CN" sz="700" dirty="0">
               <a:ea typeface="等线"/>
               <a:cs typeface="Calibri" panose="020F0502020204030204"/>
             </a:endParaRPr>
@@ -14818,7 +14878,7 @@
               </a:spcAft>
             </a:pPr>
             <a:r>
-              <a:rPr lang="en-US" altLang="zh-CN" sz="2400">
+              <a:rPr lang="en-US" altLang="zh-CN" sz="2400" dirty="0">
                 <a:ea typeface="等线"/>
                 <a:cs typeface="Calibri" panose="020F0502020204030204"/>
               </a:rPr>
@@ -14834,7 +14894,7 @@
                 <a:spcPts val="600"/>
               </a:spcAft>
             </a:pPr>
-            <a:endParaRPr lang="en-US" altLang="zh-CN" sz="1000">
+            <a:endParaRPr lang="en-US" altLang="zh-CN" sz="1000" dirty="0">
               <a:ea typeface="等线"/>
               <a:cs typeface="Calibri" panose="020F0502020204030204"/>
             </a:endParaRPr>
@@ -14849,21 +14909,21 @@
               </a:spcAft>
             </a:pPr>
             <a:r>
-              <a:rPr lang="en-US" altLang="zh-CN" sz="2400">
+              <a:rPr lang="en-US" altLang="zh-CN" sz="2400" dirty="0">
                 <a:ea typeface="等线"/>
                 <a:cs typeface="Calibri" panose="020F0502020204030204"/>
               </a:rPr>
-              <a:t>4. Stakeholder opinions, specially our client </a:t>
+              <a:t>4. Stakeholder opinions, especially our client </a:t>
             </a:r>
             <a:r>
-              <a:rPr lang="en-US" altLang="zh-CN" sz="2400" err="1">
+              <a:rPr lang="en-US" altLang="zh-CN" sz="2400" dirty="0" err="1">
                 <a:ea typeface="等线"/>
                 <a:cs typeface="Calibri" panose="020F0502020204030204"/>
               </a:rPr>
               <a:t>Goterra</a:t>
             </a:r>
             <a:r>
-              <a:rPr lang="en-US" altLang="zh-CN" sz="2400">
+              <a:rPr lang="en-US" altLang="zh-CN" sz="2400" dirty="0">
                 <a:ea typeface="等线"/>
                 <a:cs typeface="Calibri" panose="020F0502020204030204"/>
               </a:rPr>
@@ -15022,14 +15082,14 @@
           <a:lstStyle/>
           <a:p>
             <a:r>
-              <a:rPr lang="zh-CN" altLang="en-US" sz="3600" b="1">
+              <a:rPr lang="zh-CN" altLang="en-US" sz="3600" b="1" dirty="0">
                 <a:ea typeface="等线"/>
                 <a:cs typeface="Calibri"/>
               </a:rPr>
               <a:t>Alibaba </a:t>
             </a:r>
             <a:r>
-              <a:rPr lang="zh-CN" altLang="en-US">
+              <a:rPr lang="zh-CN" altLang="en-US" dirty="0">
                 <a:ea typeface="等线"/>
                 <a:cs typeface="Calibri"/>
               </a:rPr>
@@ -15038,70 +15098,154 @@
           </a:p>
           <a:p>
             <a:r>
-              <a:rPr lang="zh-CN" altLang="en-US" sz="3600" b="1">
+              <a:rPr lang="zh-CN" altLang="en-US" sz="3600" b="1" dirty="0">
                 <a:ea typeface="等线"/>
                 <a:cs typeface="Calibri"/>
               </a:rPr>
               <a:t>RenderTech </a:t>
             </a:r>
             <a:r>
-              <a:rPr lang="zh-CN" altLang="en-US">
+              <a:rPr lang="zh-CN" altLang="en-US" dirty="0">
                 <a:ea typeface="等线"/>
                 <a:cs typeface="Calibri"/>
               </a:rPr>
-              <a:t>– a company who has good experience on designing rendering plant</a:t>
+              <a:t>– a company who has </a:t>
+            </a:r>
+            <a:r>
+              <a:rPr lang="en-US" altLang="zh-CN" dirty="0">
+                <a:ea typeface="等线"/>
+                <a:cs typeface="Calibri"/>
+              </a:rPr>
+              <a:t>a large amount of </a:t>
+            </a:r>
+            <a:r>
+              <a:rPr lang="zh-CN" altLang="en-US" dirty="0">
+                <a:ea typeface="等线"/>
+                <a:cs typeface="Calibri"/>
+              </a:rPr>
+              <a:t>experience on designing rendering plant</a:t>
             </a:r>
           </a:p>
           <a:p>
             <a:r>
-              <a:rPr lang="zh-CN" altLang="en-US" sz="3600" b="1">
+              <a:rPr lang="zh-CN" altLang="en-US" sz="3600" b="1" dirty="0">
                 <a:ea typeface="等线"/>
                 <a:cs typeface="Calibri"/>
               </a:rPr>
-              <a:t>CAD designers </a:t>
+              <a:t>CAD designers </a:t>
             </a:r>
             <a:r>
-              <a:rPr lang="zh-CN" altLang="en-US">
+              <a:rPr lang="zh-CN" altLang="en-US" sz="2600" dirty="0">
                 <a:ea typeface="等线"/>
                 <a:cs typeface="Calibri"/>
               </a:rPr>
-              <a:t>– support us on drawing details and give feedback on the feasibility of our drawings. </a:t>
+              <a:t>at Zhengjiang Univeristy</a:t>
+            </a:r>
+            <a:r>
+              <a:rPr lang="zh-CN" altLang="en-US" sz="1900" dirty="0">
+                <a:ea typeface="等线"/>
+                <a:cs typeface="Calibri"/>
+              </a:rPr>
+              <a:t>–</a:t>
+            </a:r>
+            <a:r>
+              <a:rPr lang="zh-CN" altLang="en-US" dirty="0">
+                <a:ea typeface="等线"/>
+                <a:cs typeface="Calibri"/>
+              </a:rPr>
+              <a:t> support</a:t>
+            </a:r>
+            <a:r>
+              <a:rPr lang="en-US" altLang="zh-CN" dirty="0">
+                <a:ea typeface="等线"/>
+                <a:cs typeface="Calibri"/>
+              </a:rPr>
+              <a:t>s</a:t>
+            </a:r>
+            <a:r>
+              <a:rPr lang="zh-CN" altLang="en-US" dirty="0">
+                <a:ea typeface="等线"/>
+                <a:cs typeface="Calibri"/>
+              </a:rPr>
+              <a:t> us on drawing details and giv</a:t>
+            </a:r>
+            <a:r>
+              <a:rPr lang="en-US" altLang="zh-CN" dirty="0" err="1">
+                <a:ea typeface="等线"/>
+                <a:cs typeface="Calibri"/>
+              </a:rPr>
+              <a:t>ing</a:t>
+            </a:r>
+            <a:r>
+              <a:rPr lang="zh-CN" altLang="en-US" dirty="0">
+                <a:ea typeface="等线"/>
+                <a:cs typeface="Calibri"/>
+              </a:rPr>
+              <a:t> feedback on the feasibility of our drawings. </a:t>
             </a:r>
           </a:p>
           <a:p>
             <a:r>
-              <a:rPr lang="zh-CN" altLang="en-US" sz="3600" b="1">
+              <a:rPr lang="zh-CN" altLang="en-US" sz="3600" b="1" dirty="0">
                 <a:ea typeface="等线"/>
                 <a:cs typeface="Calibri"/>
               </a:rPr>
               <a:t>Material and machincal phDs</a:t>
             </a:r>
             <a:r>
-              <a:rPr lang="zh-CN" altLang="en-US">
+              <a:rPr lang="zh-CN" altLang="en-US" dirty="0">
                 <a:ea typeface="等线"/>
                 <a:cs typeface="Calibri"/>
               </a:rPr>
-              <a:t> at ANU– provide us guidance on the design validation.</a:t>
+              <a:t> at ANU– provide</a:t>
+            </a:r>
+            <a:r>
+              <a:rPr lang="en-US" altLang="zh-CN" dirty="0">
+                <a:ea typeface="等线"/>
+                <a:cs typeface="Calibri"/>
+              </a:rPr>
+              <a:t>s</a:t>
+            </a:r>
+            <a:r>
+              <a:rPr lang="zh-CN" altLang="en-US" dirty="0">
+                <a:ea typeface="等线"/>
+                <a:cs typeface="Calibri"/>
+              </a:rPr>
+              <a:t> us guidance on the design validation.</a:t>
             </a:r>
           </a:p>
           <a:p>
             <a:r>
-              <a:rPr lang="zh-CN" altLang="en-US" sz="3500" b="1">
+              <a:rPr lang="zh-CN" altLang="en-US" sz="3500" b="1" dirty="0">
                 <a:ea typeface="等线"/>
                 <a:cs typeface="Calibri"/>
               </a:rPr>
               <a:t>SouthernMeat </a:t>
             </a:r>
             <a:r>
-              <a:rPr lang="zh-CN" altLang="en-US">
+              <a:rPr lang="zh-CN" altLang="en-US" dirty="0">
                 <a:ea typeface="等线"/>
                 <a:cs typeface="Calibri"/>
               </a:rPr>
-              <a:t>– a company who has a running insect rendering plant.</a:t>
+              <a:t>– a company </a:t>
+            </a:r>
+            <a:r>
+              <a:rPr lang="en-US" altLang="zh-CN" dirty="0">
+                <a:ea typeface="等线"/>
+                <a:cs typeface="Calibri"/>
+              </a:rPr>
+              <a:t>that</a:t>
+            </a:r>
+            <a:r>
+              <a:rPr lang="zh-CN" altLang="en-US" dirty="0">
+                <a:ea typeface="等线"/>
+                <a:cs typeface="Calibri"/>
+              </a:rPr>
+              <a:t> has a running insect rendering plant.</a:t>
             </a:r>
           </a:p>
           <a:p>
-            <a:endParaRPr lang="zh-CN" altLang="en-US">
+            <a:endParaRPr lang="zh-CN" altLang="en-US" dirty="0">
               <a:ea typeface="等线"/>
               <a:cs typeface="Calibri"/>
             </a:endParaRPr>
@@ -15122,6 +15266,270 @@
 </file>
 
 <file path=ppt/slides/slide14.xml><?xml version="1.0" encoding="utf-8"?>
+<p:sld xmlns:a="http://schemas.openxmlformats.org/drawingml/2006/main" xmlns:r="http://schemas.openxmlformats.org/officeDocument/2006/relationships" xmlns:p="http://schemas.openxmlformats.org/presentationml/2006/main">
+  <p:cSld>
+    <p:bg>
+      <p:bgPr>
+        <a:solidFill>
+          <a:schemeClr val="bg1"/>
+        </a:solidFill>
+        <a:effectLst/>
+      </p:bgPr>
+    </p:bg>
+    <p:spTree>
+      <p:nvGrpSpPr>
+        <p:cNvPr id="1" name=""/>
+        <p:cNvGrpSpPr/>
+        <p:nvPr/>
+      </p:nvGrpSpPr>
+      <p:grpSpPr>
+        <a:xfrm>
+          <a:off x="0" y="0"/>
+          <a:ext cx="0" cy="0"/>
+          <a:chOff x="0" y="0"/>
+          <a:chExt cx="0" cy="0"/>
+        </a:xfrm>
+      </p:grpSpPr>
+      <p:sp>
+        <p:nvSpPr>
+          <p:cNvPr id="9" name="Rectangle 8">
+            <a:extLst>
+              <a:ext uri="{FF2B5EF4-FFF2-40B4-BE49-F238E27FC236}">
+                <a16:creationId xmlns:a16="http://schemas.microsoft.com/office/drawing/2014/main" id="{AB45A142-4255-493C-8284-5D566C121B10}"/>
+              </a:ext>
+              <a:ext uri="{C183D7F6-B498-43B3-948B-1728B52AA6E4}">
+                <adec:decorative xmlns:adec="http://schemas.microsoft.com/office/drawing/2017/decorative" val="1"/>
+              </a:ext>
+            </a:extLst>
+          </p:cNvPr>
+          <p:cNvSpPr>
+            <a:spLocks noGrp="1" noRot="1" noChangeAspect="1" noMove="1" noResize="1" noEditPoints="1" noAdjustHandles="1" noChangeArrowheads="1" noChangeShapeType="1" noTextEdit="1"/>
+          </p:cNvSpPr>
+          <p:nvPr>
+            <p:extLst>
+              <p:ext uri="{386F3935-93C4-4BCD-93E2-E3B085C9AB24}">
+                <p16:designElem xmlns:p16="http://schemas.microsoft.com/office/powerpoint/2015/main" val="1"/>
+              </p:ext>
+            </p:extLst>
+          </p:nvPr>
+        </p:nvSpPr>
+        <p:spPr bwMode="ltGray">
+          <a:xfrm>
+            <a:off x="336884" y="321177"/>
+            <a:ext cx="4332307" cy="6179552"/>
+          </a:xfrm>
+          <a:prstGeom prst="rect">
+            <a:avLst/>
+          </a:prstGeom>
+          <a:solidFill>
+            <a:srgbClr val="404040">
+              <a:alpha val="89804"/>
+            </a:srgbClr>
+          </a:solidFill>
+          <a:ln w="127000" cap="sq" cmpd="thinThick">
+            <a:solidFill>
+              <a:srgbClr val="595959">
+                <a:alpha val="80000"/>
+              </a:srgbClr>
+            </a:solidFill>
+          </a:ln>
+        </p:spPr>
+        <p:style>
+          <a:lnRef idx="2">
+            <a:schemeClr val="accent1">
+              <a:shade val="50000"/>
+            </a:schemeClr>
+          </a:lnRef>
+          <a:fillRef idx="1">
+            <a:schemeClr val="accent1"/>
+          </a:fillRef>
+          <a:effectRef idx="0">
+            <a:schemeClr val="accent1"/>
+          </a:effectRef>
+          <a:fontRef idx="minor">
+            <a:schemeClr val="lt1"/>
+          </a:fontRef>
+        </p:style>
+        <p:txBody>
+          <a:bodyPr rtlCol="0" anchor="ctr"/>
+          <a:lstStyle/>
+          <a:p>
+            <a:pPr algn="ctr"/>
+            <a:endParaRPr lang="en-US"/>
+          </a:p>
+        </p:txBody>
+      </p:sp>
+      <p:sp>
+        <p:nvSpPr>
+          <p:cNvPr id="2" name="标题 1">
+            <a:extLst>
+              <a:ext uri="{FF2B5EF4-FFF2-40B4-BE49-F238E27FC236}">
+                <a16:creationId xmlns:a16="http://schemas.microsoft.com/office/drawing/2014/main" id="{E58D7696-D508-49DC-B6C9-1BC690E2DC0E}"/>
+              </a:ext>
+            </a:extLst>
+          </p:cNvPr>
+          <p:cNvSpPr>
+            <a:spLocks noGrp="1"/>
+          </p:cNvSpPr>
+          <p:nvPr>
+            <p:ph type="title"/>
+          </p:nvPr>
+        </p:nvSpPr>
+        <p:spPr>
+          <a:xfrm>
+            <a:off x="674237" y="914400"/>
+            <a:ext cx="3657600" cy="2887579"/>
+          </a:xfrm>
+        </p:spPr>
+        <p:txBody>
+          <a:bodyPr vert="horz" lIns="91440" tIns="45720" rIns="91440" bIns="45720" rtlCol="0" anchor="b">
+            <a:normAutofit/>
+          </a:bodyPr>
+          <a:lstStyle/>
+          <a:p>
+            <a:pPr algn="ctr"/>
+            <a:r>
+              <a:rPr lang="en-US" altLang="zh-CN" sz="4800" kern="1200">
+                <a:solidFill>
+                  <a:srgbClr val="FFFFFF"/>
+                </a:solidFill>
+                <a:latin typeface="+mj-lt"/>
+                <a:ea typeface="+mj-ea"/>
+                <a:cs typeface="+mj-cs"/>
+              </a:rPr>
+              <a:t>How to find our files?</a:t>
+            </a:r>
+          </a:p>
+        </p:txBody>
+      </p:sp>
+      <p:cxnSp>
+        <p:nvCxnSpPr>
+          <p:cNvPr id="11" name="Straight Connector 10">
+            <a:extLst>
+              <a:ext uri="{FF2B5EF4-FFF2-40B4-BE49-F238E27FC236}">
+                <a16:creationId xmlns:a16="http://schemas.microsoft.com/office/drawing/2014/main" id="{38FB9660-F42F-4313-BBC4-47C007FE484C}"/>
+              </a:ext>
+              <a:ext uri="{C183D7F6-B498-43B3-948B-1728B52AA6E4}">
+                <adec:decorative xmlns:adec="http://schemas.microsoft.com/office/drawing/2017/decorative" val="1"/>
+              </a:ext>
+            </a:extLst>
+          </p:cNvPr>
+          <p:cNvCxnSpPr>
+            <a:cxnSpLocks noGrp="1" noRot="1" noChangeAspect="1" noMove="1" noResize="1" noEditPoints="1" noAdjustHandles="1" noChangeArrowheads="1" noChangeShapeType="1"/>
+          </p:cNvCxnSpPr>
+          <p:nvPr>
+            <p:extLst>
+              <p:ext uri="{386F3935-93C4-4BCD-93E2-E3B085C9AB24}">
+                <p16:designElem xmlns:p16="http://schemas.microsoft.com/office/powerpoint/2015/main" val="1"/>
+              </p:ext>
+            </p:extLst>
+          </p:nvPr>
+        </p:nvCxnSpPr>
+        <p:spPr>
+          <a:xfrm>
+            <a:off x="1191126" y="3910267"/>
+            <a:ext cx="2586790" cy="0"/>
+          </a:xfrm>
+          <a:prstGeom prst="line">
+            <a:avLst/>
+          </a:prstGeom>
+          <a:ln w="22225">
+            <a:solidFill>
+              <a:srgbClr val="D9D9D9"/>
+            </a:solidFill>
+          </a:ln>
+        </p:spPr>
+        <p:style>
+          <a:lnRef idx="1">
+            <a:schemeClr val="accent1"/>
+          </a:lnRef>
+          <a:fillRef idx="0">
+            <a:schemeClr val="accent1"/>
+          </a:fillRef>
+          <a:effectRef idx="0">
+            <a:schemeClr val="accent1"/>
+          </a:effectRef>
+          <a:fontRef idx="minor">
+            <a:schemeClr val="tx1"/>
+          </a:fontRef>
+        </p:style>
+      </p:cxnSp>
+      <p:pic>
+        <p:nvPicPr>
+          <p:cNvPr id="4" name="图片 4" descr="图片包含 屏幕截图&#10;&#10;已生成极高可信度的说明">
+            <a:extLst>
+              <a:ext uri="{FF2B5EF4-FFF2-40B4-BE49-F238E27FC236}">
+                <a16:creationId xmlns:a16="http://schemas.microsoft.com/office/drawing/2014/main" id="{9B88E10C-00B0-49B0-9D6C-D34B4FE284E3}"/>
+              </a:ext>
+            </a:extLst>
+          </p:cNvPr>
+          <p:cNvPicPr>
+            <a:picLocks noGrp="1" noChangeAspect="1"/>
+          </p:cNvPicPr>
+          <p:nvPr>
+            <p:ph idx="1"/>
+          </p:nvPr>
+        </p:nvPicPr>
+        <p:blipFill>
+          <a:blip r:embed="rId2"/>
+          <a:stretch>
+            <a:fillRect/>
+          </a:stretch>
+        </p:blipFill>
+        <p:spPr>
+          <a:xfrm>
+            <a:off x="6615232" y="324224"/>
+            <a:ext cx="3559841" cy="5880796"/>
+          </a:xfrm>
+          <a:prstGeom prst="rect">
+            <a:avLst/>
+          </a:prstGeom>
+        </p:spPr>
+      </p:pic>
+      <p:pic>
+        <p:nvPicPr>
+          <p:cNvPr id="10" name="图片 11">
+            <a:extLst>
+              <a:ext uri="{FF2B5EF4-FFF2-40B4-BE49-F238E27FC236}">
+                <a16:creationId xmlns:a16="http://schemas.microsoft.com/office/drawing/2014/main" id="{9A34D7C0-9C5F-4B25-BB2C-D28C316AED01}"/>
+              </a:ext>
+            </a:extLst>
+          </p:cNvPr>
+          <p:cNvPicPr>
+            <a:picLocks noChangeAspect="1"/>
+          </p:cNvPicPr>
+          <p:nvPr/>
+        </p:nvPicPr>
+        <p:blipFill>
+          <a:blip r:embed="rId3"/>
+          <a:stretch>
+            <a:fillRect/>
+          </a:stretch>
+        </p:blipFill>
+        <p:spPr>
+          <a:xfrm>
+            <a:off x="6691423" y="6045038"/>
+            <a:ext cx="2743200" cy="403179"/>
+          </a:xfrm>
+          <a:prstGeom prst="rect">
+            <a:avLst/>
+          </a:prstGeom>
+        </p:spPr>
+      </p:pic>
+    </p:spTree>
+    <p:extLst>
+      <p:ext uri="{BB962C8B-B14F-4D97-AF65-F5344CB8AC3E}">
+        <p14:creationId xmlns:p14="http://schemas.microsoft.com/office/powerpoint/2010/main" val="3440727991"/>
+      </p:ext>
+    </p:extLst>
+  </p:cSld>
+  <p:clrMapOvr>
+    <a:masterClrMapping/>
+  </p:clrMapOvr>
+</p:sld>
+</file>
+
+<file path=ppt/slides/slide15.xml><?xml version="1.0" encoding="utf-8"?>
 <p:sld xmlns:a="http://schemas.openxmlformats.org/drawingml/2006/main" xmlns:r="http://schemas.openxmlformats.org/officeDocument/2006/relationships" xmlns:p="http://schemas.openxmlformats.org/presentationml/2006/main">
   <p:cSld>
     <p:bg>
@@ -15298,7 +15706,7 @@
 </p:sld>
 </file>
 
-<file path=ppt/slides/slide15.xml><?xml version="1.0" encoding="utf-8"?>
+<file path=ppt/slides/slide16.xml><?xml version="1.0" encoding="utf-8"?>
 <p:sld xmlns:a="http://schemas.openxmlformats.org/drawingml/2006/main" xmlns:r="http://schemas.openxmlformats.org/officeDocument/2006/relationships" xmlns:p="http://schemas.openxmlformats.org/presentationml/2006/main">
   <p:cSld>
     <p:bg>
@@ -16018,7 +16426,7 @@
                 <a:ea typeface="等线 Light"/>
                 <a:cs typeface="Calibri Light"/>
               </a:rPr>
-              <a:t>Scope </a:t>
+              <a:t>Scope</a:t>
             </a:r>
             <a:endParaRPr lang="zh-CN" altLang="en-US">
               <a:solidFill>
@@ -16044,7 +16452,7 @@
             <p:ph idx="1"/>
             <p:extLst>
               <p:ext uri="{D42A27DB-BD31-4B8C-83A1-F6EECF244321}">
-                <p14:modId xmlns:p14="http://schemas.microsoft.com/office/powerpoint/2010/main" val="2400171102"/>
+                <p14:modId xmlns:p14="http://schemas.microsoft.com/office/powerpoint/2010/main" val="3780704928"/>
               </p:ext>
             </p:extLst>
           </p:nvPr>
@@ -16676,7 +17084,7 @@
           <p:nvPr>
             <p:extLst>
               <p:ext uri="{D42A27DB-BD31-4B8C-83A1-F6EECF244321}">
-                <p14:modId xmlns:p14="http://schemas.microsoft.com/office/powerpoint/2010/main" val="2798698293"/>
+                <p14:modId xmlns:p14="http://schemas.microsoft.com/office/powerpoint/2010/main" val="3393817022"/>
               </p:ext>
             </p:extLst>
           </p:nvPr>
@@ -21678,13 +22086,13 @@
           <a:lstStyle/>
           <a:p>
             <a:r>
-              <a:rPr lang="en-US" dirty="0">
+              <a:rPr lang="en-US">
                 <a:ea typeface="+mj-lt"/>
                 <a:cs typeface="+mj-lt"/>
               </a:rPr>
               <a:t>TPM</a:t>
             </a:r>
-            <a:endParaRPr lang="en-US" dirty="0"/>
+            <a:endParaRPr lang="en-US"/>
           </a:p>
         </p:txBody>
       </p:sp>
@@ -21764,12 +22172,12 @@
                     <a:p>
                       <a:pPr algn="l" fontAlgn="b"/>
                       <a:r>
-                        <a:rPr lang="en-AU" sz="1100" u="none" strike="noStrike" dirty="0">
+                        <a:rPr lang="en-AU" sz="1100" u="none" strike="noStrike">
                           <a:effectLst/>
                         </a:rPr>
                         <a:t> </a:t>
                       </a:r>
-                      <a:endParaRPr lang="en-AU" sz="1100" b="0" i="0" u="none" strike="noStrike" dirty="0">
+                      <a:endParaRPr lang="en-AU" sz="1100" b="0" i="0" u="none" strike="noStrike">
                         <a:solidFill>
                           <a:srgbClr val="000000"/>
                         </a:solidFill>
@@ -21847,12 +22255,12 @@
                     <a:p>
                       <a:pPr algn="l" fontAlgn="b"/>
                       <a:r>
-                        <a:rPr lang="en-AU" sz="1100" u="none" strike="noStrike" dirty="0">
+                        <a:rPr lang="en-AU" sz="1100" u="none" strike="noStrike">
                           <a:effectLst/>
                         </a:rPr>
                         <a:t>Int No.</a:t>
                       </a:r>
-                      <a:endParaRPr lang="en-AU" sz="1100" b="0" i="0" u="none" strike="noStrike" dirty="0">
+                      <a:endParaRPr lang="en-AU" sz="1100" b="0" i="0" u="none" strike="noStrike">
                         <a:solidFill>
                           <a:srgbClr val="000000"/>
                         </a:solidFill>
@@ -22075,33 +22483,10 @@
                     <a:p>
                       <a:pPr algn="l" fontAlgn="b"/>
                       <a:r>
-                        <a:rPr lang="en-AU" sz="1100" u="none" strike="noStrike" dirty="0">
+                        <a:rPr lang="en-AU" sz="1100" u="none" strike="noStrike">
                           <a:effectLst/>
                         </a:rPr>
                         <a:t>Input Material</a:t>
-                      </a:r>
-                      <a:endParaRPr lang="en-AU" sz="1100" b="0" i="0" u="none" strike="noStrike" dirty="0">
-                        <a:solidFill>
-                          <a:srgbClr val="000000"/>
-                        </a:solidFill>
-                        <a:effectLst/>
-                        <a:latin typeface="Calibri" panose="020F0502020204030204" pitchFamily="34" charset="0"/>
-                      </a:endParaRPr>
-                    </a:p>
-                  </a:txBody>
-                  <a:tcPr marL="4922" marR="4922" marT="4922" marB="0" anchor="b"/>
-                </a:tc>
-                <a:tc>
-                  <a:txBody>
-                    <a:bodyPr/>
-                    <a:lstStyle/>
-                    <a:p>
-                      <a:pPr algn="l" fontAlgn="b"/>
-                      <a:r>
-                        <a:rPr lang="en-AU" sz="1100" u="none" strike="noStrike">
-                          <a:effectLst/>
-                        </a:rPr>
-                        <a:t>kg</a:t>
                       </a:r>
                       <a:endParaRPr lang="en-AU" sz="1100" b="0" i="0" u="none" strike="noStrike">
                         <a:solidFill>
@@ -22124,7 +22509,7 @@
                         <a:rPr lang="en-AU" sz="1100" u="none" strike="noStrike">
                           <a:effectLst/>
                         </a:rPr>
-                        <a:t>~1176</a:t>
+                        <a:t>kg</a:t>
                       </a:r>
                       <a:endParaRPr lang="en-AU" sz="1100" b="0" i="0" u="none" strike="noStrike">
                         <a:solidFill>
@@ -22144,6 +22529,29 @@
                     <a:p>
                       <a:pPr algn="l" fontAlgn="b"/>
                       <a:r>
+                        <a:rPr lang="en-AU" sz="1100" u="none" strike="noStrike">
+                          <a:effectLst/>
+                        </a:rPr>
+                        <a:t>~1176</a:t>
+                      </a:r>
+                      <a:endParaRPr lang="en-AU" sz="1100" b="0" i="0" u="none" strike="noStrike">
+                        <a:solidFill>
+                          <a:srgbClr val="000000"/>
+                        </a:solidFill>
+                        <a:effectLst/>
+                        <a:latin typeface="Calibri" panose="020F0502020204030204" pitchFamily="34" charset="0"/>
+                      </a:endParaRPr>
+                    </a:p>
+                  </a:txBody>
+                  <a:tcPr marL="4922" marR="4922" marT="4922" marB="0" anchor="b"/>
+                </a:tc>
+                <a:tc>
+                  <a:txBody>
+                    <a:bodyPr/>
+                    <a:lstStyle/>
+                    <a:p>
+                      <a:pPr algn="l" fontAlgn="b"/>
+                      <a:r>
                         <a:rPr lang="en-US" sz="1100" u="none" strike="noStrike">
                           <a:effectLst/>
                         </a:rPr>
@@ -22197,33 +22605,10 @@
                     <a:p>
                       <a:pPr algn="l" fontAlgn="b"/>
                       <a:r>
-                        <a:rPr lang="en-AU" sz="1100" u="none" strike="noStrike" dirty="0">
+                        <a:rPr lang="en-AU" sz="1100" u="none" strike="noStrike">
                           <a:effectLst/>
                         </a:rPr>
                         <a:t>Throughput</a:t>
-                      </a:r>
-                      <a:endParaRPr lang="en-AU" sz="1100" b="0" i="0" u="none" strike="noStrike" dirty="0">
-                        <a:solidFill>
-                          <a:srgbClr val="000000"/>
-                        </a:solidFill>
-                        <a:effectLst/>
-                        <a:latin typeface="Calibri" panose="020F0502020204030204" pitchFamily="34" charset="0"/>
-                      </a:endParaRPr>
-                    </a:p>
-                  </a:txBody>
-                  <a:tcPr marL="4922" marR="4922" marT="4922" marB="0" anchor="b"/>
-                </a:tc>
-                <a:tc>
-                  <a:txBody>
-                    <a:bodyPr/>
-                    <a:lstStyle/>
-                    <a:p>
-                      <a:pPr algn="l" fontAlgn="b"/>
-                      <a:r>
-                        <a:rPr lang="en-AU" sz="1100" u="none" strike="noStrike">
-                          <a:effectLst/>
-                        </a:rPr>
-                        <a:t>kg/s</a:t>
                       </a:r>
                       <a:endParaRPr lang="en-AU" sz="1100" b="0" i="0" u="none" strike="noStrike">
                         <a:solidFill>
@@ -22246,7 +22631,7 @@
                         <a:rPr lang="en-AU" sz="1100" u="none" strike="noStrike">
                           <a:effectLst/>
                         </a:rPr>
-                        <a:t>…</a:t>
+                        <a:t>kg/s</a:t>
                       </a:r>
                       <a:endParaRPr lang="en-AU" sz="1100" b="0" i="0" u="none" strike="noStrike">
                         <a:solidFill>
@@ -22266,6 +22651,29 @@
                     <a:p>
                       <a:pPr algn="l" fontAlgn="b"/>
                       <a:r>
+                        <a:rPr lang="en-AU" sz="1100" u="none" strike="noStrike">
+                          <a:effectLst/>
+                        </a:rPr>
+                        <a:t>…</a:t>
+                      </a:r>
+                      <a:endParaRPr lang="en-AU" sz="1100" b="0" i="0" u="none" strike="noStrike">
+                        <a:solidFill>
+                          <a:srgbClr val="000000"/>
+                        </a:solidFill>
+                        <a:effectLst/>
+                        <a:latin typeface="Calibri" panose="020F0502020204030204" pitchFamily="34" charset="0"/>
+                      </a:endParaRPr>
+                    </a:p>
+                  </a:txBody>
+                  <a:tcPr marL="4922" marR="4922" marT="4922" marB="0" anchor="b"/>
+                </a:tc>
+                <a:tc>
+                  <a:txBody>
+                    <a:bodyPr/>
+                    <a:lstStyle/>
+                    <a:p>
+                      <a:pPr algn="l" fontAlgn="b"/>
+                      <a:r>
                         <a:rPr lang="en-US" sz="1100" u="none" strike="noStrike">
                           <a:effectLst/>
                         </a:rPr>
@@ -22319,33 +22727,10 @@
                     <a:p>
                       <a:pPr algn="l" fontAlgn="b"/>
                       <a:r>
-                        <a:rPr lang="en-AU" sz="1100" u="none" strike="noStrike" dirty="0">
+                        <a:rPr lang="en-AU" sz="1100" u="none" strike="noStrike">
                           <a:effectLst/>
                         </a:rPr>
                         <a:t>Breaker Output</a:t>
-                      </a:r>
-                      <a:endParaRPr lang="en-AU" sz="1100" b="0" i="0" u="none" strike="noStrike" dirty="0">
-                        <a:solidFill>
-                          <a:srgbClr val="000000"/>
-                        </a:solidFill>
-                        <a:effectLst/>
-                        <a:latin typeface="Calibri" panose="020F0502020204030204" pitchFamily="34" charset="0"/>
-                      </a:endParaRPr>
-                    </a:p>
-                  </a:txBody>
-                  <a:tcPr marL="4922" marR="4922" marT="4922" marB="0" anchor="b"/>
-                </a:tc>
-                <a:tc>
-                  <a:txBody>
-                    <a:bodyPr/>
-                    <a:lstStyle/>
-                    <a:p>
-                      <a:pPr algn="l" fontAlgn="b"/>
-                      <a:r>
-                        <a:rPr lang="en-AU" sz="1100" u="none" strike="noStrike">
-                          <a:effectLst/>
-                        </a:rPr>
-                        <a:t>~mm^3</a:t>
                       </a:r>
                       <a:endParaRPr lang="en-AU" sz="1100" b="0" i="0" u="none" strike="noStrike">
                         <a:solidFill>
@@ -22368,7 +22753,7 @@
                         <a:rPr lang="en-AU" sz="1100" u="none" strike="noStrike">
                           <a:effectLst/>
                         </a:rPr>
-                        <a:t>20-25mm</a:t>
+                        <a:t>~mm^3</a:t>
                       </a:r>
                       <a:endParaRPr lang="en-AU" sz="1100" b="0" i="0" u="none" strike="noStrike">
                         <a:solidFill>
@@ -22388,6 +22773,29 @@
                     <a:p>
                       <a:pPr algn="l" fontAlgn="b"/>
                       <a:r>
+                        <a:rPr lang="en-AU" sz="1100" u="none" strike="noStrike">
+                          <a:effectLst/>
+                        </a:rPr>
+                        <a:t>20-25mm</a:t>
+                      </a:r>
+                      <a:endParaRPr lang="en-AU" sz="1100" b="0" i="0" u="none" strike="noStrike">
+                        <a:solidFill>
+                          <a:srgbClr val="000000"/>
+                        </a:solidFill>
+                        <a:effectLst/>
+                        <a:latin typeface="Calibri" panose="020F0502020204030204" pitchFamily="34" charset="0"/>
+                      </a:endParaRPr>
+                    </a:p>
+                  </a:txBody>
+                  <a:tcPr marL="4922" marR="4922" marT="4922" marB="0" anchor="b"/>
+                </a:tc>
+                <a:tc>
+                  <a:txBody>
+                    <a:bodyPr/>
+                    <a:lstStyle/>
+                    <a:p>
+                      <a:pPr algn="l" fontAlgn="b"/>
+                      <a:r>
                         <a:rPr lang="en-US" sz="1100" u="none" strike="noStrike">
                           <a:effectLst/>
                         </a:rPr>
@@ -22441,33 +22849,10 @@
                     <a:p>
                       <a:pPr algn="l" fontAlgn="b"/>
                       <a:r>
-                        <a:rPr lang="en-AU" sz="1100" u="none" strike="noStrike" dirty="0">
+                        <a:rPr lang="en-AU" sz="1100" u="none" strike="noStrike">
                           <a:effectLst/>
                         </a:rPr>
                         <a:t>Pre-Cooker Temperature</a:t>
-                      </a:r>
-                      <a:endParaRPr lang="en-AU" sz="1100" b="0" i="0" u="none" strike="noStrike" dirty="0">
-                        <a:solidFill>
-                          <a:srgbClr val="000000"/>
-                        </a:solidFill>
-                        <a:effectLst/>
-                        <a:latin typeface="Calibri" panose="020F0502020204030204" pitchFamily="34" charset="0"/>
-                      </a:endParaRPr>
-                    </a:p>
-                  </a:txBody>
-                  <a:tcPr marL="4922" marR="4922" marT="4922" marB="0" anchor="b"/>
-                </a:tc>
-                <a:tc>
-                  <a:txBody>
-                    <a:bodyPr/>
-                    <a:lstStyle/>
-                    <a:p>
-                      <a:pPr algn="l" fontAlgn="b"/>
-                      <a:r>
-                        <a:rPr lang="en-AU" sz="1100" u="none" strike="noStrike">
-                          <a:effectLst/>
-                        </a:rPr>
-                        <a:t>C</a:t>
                       </a:r>
                       <a:endParaRPr lang="en-AU" sz="1100" b="0" i="0" u="none" strike="noStrike">
                         <a:solidFill>
@@ -22490,7 +22875,7 @@
                         <a:rPr lang="en-AU" sz="1100" u="none" strike="noStrike">
                           <a:effectLst/>
                         </a:rPr>
-                        <a:t>90-100</a:t>
+                        <a:t>C</a:t>
                       </a:r>
                       <a:endParaRPr lang="en-AU" sz="1100" b="0" i="0" u="none" strike="noStrike">
                         <a:solidFill>
@@ -22510,6 +22895,29 @@
                     <a:p>
                       <a:pPr algn="l" fontAlgn="b"/>
                       <a:r>
+                        <a:rPr lang="en-AU" sz="1100" u="none" strike="noStrike">
+                          <a:effectLst/>
+                        </a:rPr>
+                        <a:t>90-100</a:t>
+                      </a:r>
+                      <a:endParaRPr lang="en-AU" sz="1100" b="0" i="0" u="none" strike="noStrike">
+                        <a:solidFill>
+                          <a:srgbClr val="000000"/>
+                        </a:solidFill>
+                        <a:effectLst/>
+                        <a:latin typeface="Calibri" panose="020F0502020204030204" pitchFamily="34" charset="0"/>
+                      </a:endParaRPr>
+                    </a:p>
+                  </a:txBody>
+                  <a:tcPr marL="4922" marR="4922" marT="4922" marB="0" anchor="b"/>
+                </a:tc>
+                <a:tc>
+                  <a:txBody>
+                    <a:bodyPr/>
+                    <a:lstStyle/>
+                    <a:p>
+                      <a:pPr algn="l" fontAlgn="b"/>
+                      <a:r>
                         <a:rPr lang="en-US" sz="1100" u="none" strike="noStrike">
                           <a:effectLst/>
                         </a:rPr>
@@ -22563,33 +22971,10 @@
                     <a:p>
                       <a:pPr algn="l" fontAlgn="b"/>
                       <a:r>
-                        <a:rPr lang="en-AU" sz="1100" u="none" strike="noStrike" dirty="0">
+                        <a:rPr lang="en-AU" sz="1100" u="none" strike="noStrike">
                           <a:effectLst/>
                         </a:rPr>
                         <a:t>Pre-Cooker Pressure</a:t>
-                      </a:r>
-                      <a:endParaRPr lang="en-AU" sz="1100" b="0" i="0" u="none" strike="noStrike" dirty="0">
-                        <a:solidFill>
-                          <a:srgbClr val="000000"/>
-                        </a:solidFill>
-                        <a:effectLst/>
-                        <a:latin typeface="Calibri" panose="020F0502020204030204" pitchFamily="34" charset="0"/>
-                      </a:endParaRPr>
-                    </a:p>
-                  </a:txBody>
-                  <a:tcPr marL="4922" marR="4922" marT="4922" marB="0" anchor="b"/>
-                </a:tc>
-                <a:tc>
-                  <a:txBody>
-                    <a:bodyPr/>
-                    <a:lstStyle/>
-                    <a:p>
-                      <a:pPr algn="l" fontAlgn="b"/>
-                      <a:r>
-                        <a:rPr lang="en-AU" sz="1100" u="none" strike="noStrike">
-                          <a:effectLst/>
-                        </a:rPr>
-                        <a:t>Psi</a:t>
                       </a:r>
                       <a:endParaRPr lang="en-AU" sz="1100" b="0" i="0" u="none" strike="noStrike">
                         <a:solidFill>
@@ -22612,7 +22997,7 @@
                         <a:rPr lang="en-AU" sz="1100" u="none" strike="noStrike">
                           <a:effectLst/>
                         </a:rPr>
-                        <a:t>10-15 Psi (1)</a:t>
+                        <a:t>Psi</a:t>
                       </a:r>
                       <a:endParaRPr lang="en-AU" sz="1100" b="0" i="0" u="none" strike="noStrike">
                         <a:solidFill>
@@ -22632,6 +23017,29 @@
                     <a:p>
                       <a:pPr algn="l" fontAlgn="b"/>
                       <a:r>
+                        <a:rPr lang="en-AU" sz="1100" u="none" strike="noStrike">
+                          <a:effectLst/>
+                        </a:rPr>
+                        <a:t>10-15 Psi (1)</a:t>
+                      </a:r>
+                      <a:endParaRPr lang="en-AU" sz="1100" b="0" i="0" u="none" strike="noStrike">
+                        <a:solidFill>
+                          <a:srgbClr val="000000"/>
+                        </a:solidFill>
+                        <a:effectLst/>
+                        <a:latin typeface="Calibri" panose="020F0502020204030204" pitchFamily="34" charset="0"/>
+                      </a:endParaRPr>
+                    </a:p>
+                  </a:txBody>
+                  <a:tcPr marL="4922" marR="4922" marT="4922" marB="0" anchor="b"/>
+                </a:tc>
+                <a:tc>
+                  <a:txBody>
+                    <a:bodyPr/>
+                    <a:lstStyle/>
+                    <a:p>
+                      <a:pPr algn="l" fontAlgn="b"/>
+                      <a:r>
                         <a:rPr lang="en-US" sz="1100" u="none" strike="noStrike">
                           <a:effectLst/>
                         </a:rPr>
@@ -22685,56 +23093,10 @@
                     <a:p>
                       <a:pPr algn="l" fontAlgn="b"/>
                       <a:r>
-                        <a:rPr lang="en-AU" sz="1100" u="none" strike="noStrike" dirty="0">
+                        <a:rPr lang="en-AU" sz="1100" u="none" strike="noStrike">
                           <a:effectLst/>
                         </a:rPr>
                         <a:t>Evaporator Plant Temperature</a:t>
-                      </a:r>
-                      <a:endParaRPr lang="en-AU" sz="1100" b="0" i="0" u="none" strike="noStrike" dirty="0">
-                        <a:solidFill>
-                          <a:srgbClr val="000000"/>
-                        </a:solidFill>
-                        <a:effectLst/>
-                        <a:latin typeface="Calibri" panose="020F0502020204030204" pitchFamily="34" charset="0"/>
-                      </a:endParaRPr>
-                    </a:p>
-                  </a:txBody>
-                  <a:tcPr marL="4922" marR="4922" marT="4922" marB="0" anchor="b"/>
-                </a:tc>
-                <a:tc>
-                  <a:txBody>
-                    <a:bodyPr/>
-                    <a:lstStyle/>
-                    <a:p>
-                      <a:pPr algn="l" fontAlgn="b"/>
-                      <a:r>
-                        <a:rPr lang="en-AU" sz="1100" u="none" strike="noStrike" dirty="0">
-                          <a:effectLst/>
-                        </a:rPr>
-                        <a:t>C</a:t>
-                      </a:r>
-                      <a:endParaRPr lang="en-AU" sz="1100" b="0" i="0" u="none" strike="noStrike" dirty="0">
-                        <a:solidFill>
-                          <a:srgbClr val="000000"/>
-                        </a:solidFill>
-                        <a:effectLst/>
-                        <a:latin typeface="Calibri" panose="020F0502020204030204" pitchFamily="34" charset="0"/>
-                      </a:endParaRPr>
-                    </a:p>
-                  </a:txBody>
-                  <a:tcPr marL="4922" marR="4922" marT="4922" marB="0" anchor="b"/>
-                </a:tc>
-                <a:tc>
-                  <a:txBody>
-                    <a:bodyPr/>
-                    <a:lstStyle/>
-                    <a:p>
-                      <a:pPr algn="l" fontAlgn="b"/>
-                      <a:r>
-                        <a:rPr lang="en-AU" sz="1100" u="none" strike="noStrike">
-                          <a:effectLst/>
-                        </a:rPr>
-                        <a:t>&gt;100</a:t>
                       </a:r>
                       <a:endParaRPr lang="en-AU" sz="1100" b="0" i="0" u="none" strike="noStrike">
                         <a:solidFill>
@@ -22757,7 +23119,7 @@
                         <a:rPr lang="en-AU" sz="1100" u="none" strike="noStrike">
                           <a:effectLst/>
                         </a:rPr>
-                        <a:t> </a:t>
+                        <a:t>C</a:t>
                       </a:r>
                       <a:endParaRPr lang="en-AU" sz="1100" b="0" i="0" u="none" strike="noStrike">
                         <a:solidFill>
@@ -22770,6 +23132,52 @@
                   </a:txBody>
                   <a:tcPr marL="4922" marR="4922" marT="4922" marB="0" anchor="b"/>
                 </a:tc>
+                <a:tc>
+                  <a:txBody>
+                    <a:bodyPr/>
+                    <a:lstStyle/>
+                    <a:p>
+                      <a:pPr algn="l" fontAlgn="b"/>
+                      <a:r>
+                        <a:rPr lang="en-AU" sz="1100" u="none" strike="noStrike">
+                          <a:effectLst/>
+                        </a:rPr>
+                        <a:t>&gt;100</a:t>
+                      </a:r>
+                      <a:endParaRPr lang="en-AU" sz="1100" b="0" i="0" u="none" strike="noStrike">
+                        <a:solidFill>
+                          <a:srgbClr val="000000"/>
+                        </a:solidFill>
+                        <a:effectLst/>
+                        <a:latin typeface="Calibri" panose="020F0502020204030204" pitchFamily="34" charset="0"/>
+                      </a:endParaRPr>
+                    </a:p>
+                  </a:txBody>
+                  <a:tcPr marL="4922" marR="4922" marT="4922" marB="0" anchor="b"/>
+                </a:tc>
+                <a:tc>
+                  <a:txBody>
+                    <a:bodyPr/>
+                    <a:lstStyle/>
+                    <a:p>
+                      <a:pPr algn="l" fontAlgn="b"/>
+                      <a:r>
+                        <a:rPr lang="en-AU" sz="1100" u="none" strike="noStrike">
+                          <a:effectLst/>
+                        </a:rPr>
+                        <a:t> </a:t>
+                      </a:r>
+                      <a:endParaRPr lang="en-AU" sz="1100" b="0" i="0" u="none" strike="noStrike">
+                        <a:solidFill>
+                          <a:srgbClr val="000000"/>
+                        </a:solidFill>
+                        <a:effectLst/>
+                        <a:latin typeface="Calibri" panose="020F0502020204030204" pitchFamily="34" charset="0"/>
+                      </a:endParaRPr>
+                    </a:p>
+                  </a:txBody>
+                  <a:tcPr marL="4922" marR="4922" marT="4922" marB="0" anchor="b"/>
+                </a:tc>
                 <a:extLst>
                   <a:ext uri="{0D108BD9-81ED-4DB2-BD59-A6C34878D82A}">
                     <a16:rowId xmlns:a16="http://schemas.microsoft.com/office/drawing/2014/main" val="3289436657"/>
@@ -22830,33 +23238,10 @@
                     <a:p>
                       <a:pPr algn="l" fontAlgn="b"/>
                       <a:r>
-                        <a:rPr lang="en-AU" sz="1100" u="none" strike="noStrike" dirty="0">
+                        <a:rPr lang="en-AU" sz="1100" u="none" strike="noStrike">
                           <a:effectLst/>
                         </a:rPr>
                         <a:t>kg/s</a:t>
-                      </a:r>
-                      <a:endParaRPr lang="en-AU" sz="1100" b="0" i="0" u="none" strike="noStrike" dirty="0">
-                        <a:solidFill>
-                          <a:srgbClr val="000000"/>
-                        </a:solidFill>
-                        <a:effectLst/>
-                        <a:latin typeface="Calibri" panose="020F0502020204030204" pitchFamily="34" charset="0"/>
-                      </a:endParaRPr>
-                    </a:p>
-                  </a:txBody>
-                  <a:tcPr marL="4922" marR="4922" marT="4922" marB="0" anchor="b"/>
-                </a:tc>
-                <a:tc>
-                  <a:txBody>
-                    <a:bodyPr/>
-                    <a:lstStyle/>
-                    <a:p>
-                      <a:pPr algn="l" fontAlgn="b"/>
-                      <a:r>
-                        <a:rPr lang="en-AU" sz="1100" u="none" strike="noStrike">
-                          <a:effectLst/>
-                        </a:rPr>
-                        <a:t> </a:t>
                       </a:r>
                       <a:endParaRPr lang="en-AU" sz="1100" b="0" i="0" u="none" strike="noStrike">
                         <a:solidFill>
@@ -22874,6 +23259,29 @@
                     <a:bodyPr/>
                     <a:lstStyle/>
                     <a:p>
+                      <a:pPr algn="l" fontAlgn="b"/>
+                      <a:r>
+                        <a:rPr lang="en-AU" sz="1100" u="none" strike="noStrike">
+                          <a:effectLst/>
+                        </a:rPr>
+                        <a:t> </a:t>
+                      </a:r>
+                      <a:endParaRPr lang="en-AU" sz="1100" b="0" i="0" u="none" strike="noStrike">
+                        <a:solidFill>
+                          <a:srgbClr val="000000"/>
+                        </a:solidFill>
+                        <a:effectLst/>
+                        <a:latin typeface="Calibri" panose="020F0502020204030204" pitchFamily="34" charset="0"/>
+                      </a:endParaRPr>
+                    </a:p>
+                  </a:txBody>
+                  <a:tcPr marL="4922" marR="4922" marT="4922" marB="0" anchor="b"/>
+                </a:tc>
+                <a:tc>
+                  <a:txBody>
+                    <a:bodyPr/>
+                    <a:lstStyle/>
+                    <a:p>
                       <a:pPr algn="l" fontAlgn="t"/>
                       <a:r>
                         <a:rPr lang="en-US" sz="1100" u="none" strike="noStrike">
@@ -22975,12 +23383,12 @@
                     <a:p>
                       <a:pPr algn="l" fontAlgn="b"/>
                       <a:r>
-                        <a:rPr lang="en-AU" sz="1100" u="none" strike="noStrike" dirty="0">
+                        <a:rPr lang="en-AU" sz="1100" u="none" strike="noStrike">
                           <a:effectLst/>
                         </a:rPr>
                         <a:t>~9-15 (3) **</a:t>
                       </a:r>
-                      <a:endParaRPr lang="en-AU" sz="1100" b="0" i="0" u="none" strike="noStrike" dirty="0">
+                      <a:endParaRPr lang="en-AU" sz="1100" b="0" i="0" u="none" strike="noStrike">
                         <a:solidFill>
                           <a:srgbClr val="000000"/>
                         </a:solidFill>
@@ -23097,12 +23505,12 @@
                     <a:p>
                       <a:pPr algn="l" fontAlgn="b"/>
                       <a:r>
-                        <a:rPr lang="en-AU" sz="1100" u="none" strike="noStrike" dirty="0">
+                        <a:rPr lang="en-AU" sz="1100" u="none" strike="noStrike">
                           <a:effectLst/>
                         </a:rPr>
                         <a:t>~120</a:t>
                       </a:r>
-                      <a:endParaRPr lang="en-AU" sz="1100" b="0" i="0" u="none" strike="noStrike" dirty="0">
+                      <a:endParaRPr lang="en-AU" sz="1100" b="0" i="0" u="none" strike="noStrike">
                         <a:solidFill>
                           <a:srgbClr val="000000"/>
                         </a:solidFill>
@@ -23242,12 +23650,12 @@
                     <a:p>
                       <a:pPr algn="l" fontAlgn="b"/>
                       <a:r>
-                        <a:rPr lang="en-US" sz="1100" u="none" strike="noStrike" dirty="0">
+                        <a:rPr lang="en-US" sz="1100" u="none" strike="noStrike">
                           <a:effectLst/>
                         </a:rPr>
                         <a:t>An industrial standard using by animal material renderers. </a:t>
                       </a:r>
-                      <a:endParaRPr lang="en-US" sz="1100" b="0" i="0" u="none" strike="noStrike" dirty="0">
+                      <a:endParaRPr lang="en-US" sz="1100" b="0" i="0" u="none" strike="noStrike">
                         <a:solidFill>
                           <a:srgbClr val="000000"/>
                         </a:solidFill>
@@ -23486,12 +23894,12 @@
                     <a:p>
                       <a:pPr algn="l" fontAlgn="b"/>
                       <a:r>
-                        <a:rPr lang="en-AU" sz="1100" u="none" strike="noStrike" dirty="0">
+                        <a:rPr lang="en-AU" sz="1100" u="none" strike="noStrike">
                           <a:effectLst/>
                         </a:rPr>
                         <a:t> </a:t>
                       </a:r>
-                      <a:endParaRPr lang="en-AU" sz="1100" b="0" i="0" u="none" strike="noStrike" dirty="0">
+                      <a:endParaRPr lang="en-AU" sz="1100" b="0" i="0" u="none" strike="noStrike">
                         <a:solidFill>
                           <a:srgbClr val="000000"/>
                         </a:solidFill>
@@ -23608,48 +24016,48 @@
                     <a:p>
                       <a:pPr algn="l" fontAlgn="b"/>
                       <a:r>
-                        <a:rPr lang="en-US" sz="1100" u="none" strike="noStrike" dirty="0">
+                        <a:rPr lang="en-US" sz="1100" u="none" strike="noStrike">
                           <a:effectLst/>
                         </a:rPr>
                         <a:t>Set by international bodies, the temperature specified is the </a:t>
                       </a:r>
                       <a:r>
-                        <a:rPr lang="en-US" sz="1100" u="none" strike="noStrike" dirty="0" err="1">
+                        <a:rPr lang="en-US" sz="1100" u="none" strike="noStrike" err="1">
                           <a:effectLst/>
                         </a:rPr>
                         <a:t>recognzed</a:t>
                       </a:r>
                       <a:r>
-                        <a:rPr lang="en-US" sz="1100" u="none" strike="noStrike" dirty="0">
+                        <a:rPr lang="en-US" sz="1100" u="none" strike="noStrike">
                           <a:effectLst/>
                         </a:rPr>
                         <a:t> minimum temperature at which </a:t>
                       </a:r>
                       <a:r>
-                        <a:rPr lang="en-US" sz="1100" u="none" strike="noStrike" dirty="0" err="1">
+                        <a:rPr lang="en-US" sz="1100" u="none" strike="noStrike" err="1">
                           <a:effectLst/>
                         </a:rPr>
                         <a:t>envirmental</a:t>
                       </a:r>
                       <a:r>
-                        <a:rPr lang="en-US" sz="1100" u="none" strike="noStrike" dirty="0">
+                        <a:rPr lang="en-US" sz="1100" u="none" strike="noStrike">
                           <a:effectLst/>
                         </a:rPr>
                         <a:t> objects may experience combustion. This is therefore the minimum temperature goal, however taking into account the human aspect (</a:t>
                       </a:r>
                       <a:r>
-                        <a:rPr lang="en-US" sz="1100" u="none" strike="noStrike" dirty="0" err="1">
+                        <a:rPr lang="en-US" sz="1100" u="none" strike="noStrike" err="1">
                           <a:effectLst/>
                         </a:rPr>
                         <a:t>ie</a:t>
                       </a:r>
                       <a:r>
-                        <a:rPr lang="en-US" sz="1100" u="none" strike="noStrike" dirty="0">
+                        <a:rPr lang="en-US" sz="1100" u="none" strike="noStrike">
                           <a:effectLst/>
                         </a:rPr>
                         <a:t> how vulnerable are humans) we may set this to a lower value</a:t>
                       </a:r>
-                      <a:endParaRPr lang="en-US" sz="1100" b="0" i="0" u="none" strike="noStrike" dirty="0">
+                      <a:endParaRPr lang="en-US" sz="1100" b="0" i="0" u="none" strike="noStrike">
                         <a:solidFill>
                           <a:srgbClr val="000000"/>
                         </a:solidFill>
@@ -23766,36 +24174,36 @@
                     <a:p>
                       <a:pPr algn="l" fontAlgn="b"/>
                       <a:r>
-                        <a:rPr lang="en-US" sz="1100" u="none" strike="noStrike" dirty="0">
+                        <a:rPr lang="en-US" sz="1100" u="none" strike="noStrike">
                           <a:effectLst/>
                         </a:rPr>
                         <a:t>The percolator essentially cycle the material (with the water removed) and the liquid fat present, there the </a:t>
                       </a:r>
                       <a:r>
-                        <a:rPr lang="en-US" sz="1100" u="none" strike="noStrike" dirty="0" err="1">
+                        <a:rPr lang="en-US" sz="1100" u="none" strike="noStrike" err="1">
                           <a:effectLst/>
                         </a:rPr>
                         <a:t>compnent</a:t>
                       </a:r>
                       <a:r>
-                        <a:rPr lang="en-US" sz="1100" u="none" strike="noStrike" dirty="0">
+                        <a:rPr lang="en-US" sz="1100" u="none" strike="noStrike">
                           <a:effectLst/>
                         </a:rPr>
                         <a:t> cannot be allowed to cool otherwise the animal fats </a:t>
                       </a:r>
                       <a:r>
-                        <a:rPr lang="en-US" sz="1100" u="none" strike="noStrike" dirty="0" err="1">
+                        <a:rPr lang="en-US" sz="1100" u="none" strike="noStrike" err="1">
                           <a:effectLst/>
                         </a:rPr>
                         <a:t>presetn</a:t>
                       </a:r>
                       <a:r>
-                        <a:rPr lang="en-US" sz="1100" u="none" strike="noStrike" dirty="0">
+                        <a:rPr lang="en-US" sz="1100" u="none" strike="noStrike">
                           <a:effectLst/>
                         </a:rPr>
                         <a:t> will solidify.</a:t>
                       </a:r>
-                      <a:endParaRPr lang="en-US" sz="1100" b="0" i="0" u="none" strike="noStrike" dirty="0">
+                      <a:endParaRPr lang="en-US" sz="1100" b="0" i="0" u="none" strike="noStrike">
                         <a:solidFill>
                           <a:srgbClr val="000000"/>
                         </a:solidFill>
@@ -23912,12 +24320,12 @@
                     <a:p>
                       <a:pPr algn="l" fontAlgn="b"/>
                       <a:r>
-                        <a:rPr lang="en-AU" sz="1100" u="none" strike="noStrike" dirty="0">
+                        <a:rPr lang="en-AU" sz="1100" u="none" strike="noStrike">
                           <a:effectLst/>
                         </a:rPr>
                         <a:t> </a:t>
                       </a:r>
-                      <a:endParaRPr lang="en-AU" sz="1100" b="0" i="0" u="none" strike="noStrike" dirty="0">
+                      <a:endParaRPr lang="en-AU" sz="1100" b="0" i="0" u="none" strike="noStrike">
                         <a:solidFill>
                           <a:srgbClr val="000000"/>
                         </a:solidFill>
@@ -24156,12 +24564,12 @@
                     <a:p>
                       <a:pPr algn="l" fontAlgn="b"/>
                       <a:r>
-                        <a:rPr lang="en-AU" sz="1100" u="none" strike="noStrike" dirty="0">
+                        <a:rPr lang="en-AU" sz="1100" u="none" strike="noStrike">
                           <a:effectLst/>
                         </a:rPr>
                         <a:t> </a:t>
                       </a:r>
-                      <a:endParaRPr lang="en-AU" sz="1100" b="0" i="0" u="none" strike="noStrike" dirty="0">
+                      <a:endParaRPr lang="en-AU" sz="1100" b="0" i="0" u="none" strike="noStrike">
                         <a:solidFill>
                           <a:srgbClr val="000000"/>
                         </a:solidFill>
@@ -24278,12 +24686,12 @@
                     <a:p>
                       <a:pPr algn="l" fontAlgn="b"/>
                       <a:r>
-                        <a:rPr lang="en-AU" sz="1100" u="none" strike="noStrike" dirty="0">
+                        <a:rPr lang="en-AU" sz="1100" u="none" strike="noStrike">
                           <a:effectLst/>
                         </a:rPr>
                         <a:t> </a:t>
                       </a:r>
-                      <a:endParaRPr lang="en-AU" sz="1100" b="0" i="0" u="none" strike="noStrike" dirty="0">
+                      <a:endParaRPr lang="en-AU" sz="1100" b="0" i="0" u="none" strike="noStrike">
                         <a:solidFill>
                           <a:srgbClr val="000000"/>
                         </a:solidFill>
@@ -24400,12 +24808,12 @@
                     <a:p>
                       <a:pPr algn="l" fontAlgn="b"/>
                       <a:r>
-                        <a:rPr lang="en-AU" sz="1100" u="none" strike="noStrike" dirty="0">
+                        <a:rPr lang="en-AU" sz="1100" u="none" strike="noStrike">
                           <a:effectLst/>
                         </a:rPr>
                         <a:t> </a:t>
                       </a:r>
-                      <a:endParaRPr lang="en-AU" sz="1100" b="0" i="0" u="none" strike="noStrike" dirty="0">
+                      <a:endParaRPr lang="en-AU" sz="1100" b="0" i="0" u="none" strike="noStrike">
                         <a:solidFill>
                           <a:srgbClr val="000000"/>
                         </a:solidFill>
@@ -24522,12 +24930,12 @@
                     <a:p>
                       <a:pPr algn="l" fontAlgn="b"/>
                       <a:r>
-                        <a:rPr lang="en-AU" sz="1100" u="none" strike="noStrike" dirty="0">
+                        <a:rPr lang="en-AU" sz="1100" u="none" strike="noStrike">
                           <a:effectLst/>
                         </a:rPr>
                         <a:t> </a:t>
                       </a:r>
-                      <a:endParaRPr lang="en-AU" sz="1100" b="0" i="0" u="none" strike="noStrike" dirty="0">
+                      <a:endParaRPr lang="en-AU" sz="1100" b="0" i="0" u="none" strike="noStrike">
                         <a:solidFill>
                           <a:srgbClr val="000000"/>
                         </a:solidFill>
@@ -24644,12 +25052,12 @@
                     <a:p>
                       <a:pPr algn="l" fontAlgn="b"/>
                       <a:r>
-                        <a:rPr lang="en-AU" sz="1100" u="none" strike="noStrike" dirty="0">
+                        <a:rPr lang="en-AU" sz="1100" u="none" strike="noStrike">
                           <a:effectLst/>
                         </a:rPr>
                         <a:t> </a:t>
                       </a:r>
-                      <a:endParaRPr lang="en-AU" sz="1100" b="0" i="0" u="none" strike="noStrike" dirty="0">
+                      <a:endParaRPr lang="en-AU" sz="1100" b="0" i="0" u="none" strike="noStrike">
                         <a:solidFill>
                           <a:srgbClr val="000000"/>
                         </a:solidFill>
@@ -25240,6 +25648,21 @@
 </file>
 
 <file path=customXml/item1.xml><?xml version="1.0" encoding="utf-8"?>
+<?mso-contentType ?>
+<FormTemplates xmlns="http://schemas.microsoft.com/sharepoint/v3/contenttype/forms">
+  <Display>DocumentLibraryForm</Display>
+  <Edit>DocumentLibraryForm</Edit>
+  <New>DocumentLibraryForm</New>
+</FormTemplates>
+</file>
+
+<file path=customXml/item2.xml><?xml version="1.0" encoding="utf-8"?>
+<p:properties xmlns:p="http://schemas.microsoft.com/office/2006/metadata/properties" xmlns:xsi="http://www.w3.org/2001/XMLSchema-instance" xmlns:pc="http://schemas.microsoft.com/office/infopath/2007/PartnerControls">
+  <documentManagement/>
+</p:properties>
+</file>
+
+<file path=customXml/item3.xml><?xml version="1.0" encoding="utf-8"?>
 <ct:contentTypeSchema xmlns:ct="http://schemas.microsoft.com/office/2006/metadata/contentType" xmlns:ma="http://schemas.microsoft.com/office/2006/metadata/properties/metaAttributes" ct:_="" ma:_="" ma:contentTypeName="Document" ma:contentTypeID="0x01010009137770BFC9914284C650A217C254A3" ma:contentTypeVersion="2" ma:contentTypeDescription="Create a new document." ma:contentTypeScope="" ma:versionID="19a497a630e39a857cf7533b14a8afff">
   <xsd:schema xmlns:xsd="http://www.w3.org/2001/XMLSchema" xmlns:xs="http://www.w3.org/2001/XMLSchema" xmlns:p="http://schemas.microsoft.com/office/2006/metadata/properties" xmlns:ns2="9401343b-181c-4122-8b2c-e63f5991c204" targetNamespace="http://schemas.microsoft.com/office/2006/metadata/properties" ma:root="true" ma:fieldsID="24827adea8e9d9595e73dbf1ba33194a" ns2:_="">
     <xsd:import namespace="9401343b-181c-4122-8b2c-e63f5991c204"/>
@@ -25371,40 +25794,7 @@
 </ct:contentTypeSchema>
 </file>
 
-<file path=customXml/item2.xml><?xml version="1.0" encoding="utf-8"?>
-<?mso-contentType ?>
-<FormTemplates xmlns="http://schemas.microsoft.com/sharepoint/v3/contenttype/forms">
-  <Display>DocumentLibraryForm</Display>
-  <Edit>DocumentLibraryForm</Edit>
-  <New>DocumentLibraryForm</New>
-</FormTemplates>
-</file>
-
-<file path=customXml/item3.xml><?xml version="1.0" encoding="utf-8"?>
-<p:properties xmlns:p="http://schemas.microsoft.com/office/2006/metadata/properties" xmlns:xsi="http://www.w3.org/2001/XMLSchema-instance" xmlns:pc="http://schemas.microsoft.com/office/infopath/2007/PartnerControls">
-  <documentManagement/>
-</p:properties>
-</file>
-
 <file path=customXml/itemProps1.xml><?xml version="1.0" encoding="utf-8"?>
-<ds:datastoreItem xmlns:ds="http://schemas.openxmlformats.org/officeDocument/2006/customXml" ds:itemID="{1F39E6E1-DFC6-4CC2-B9CF-91162B026BD5}">
-  <ds:schemaRefs>
-    <ds:schemaRef ds:uri="http://schemas.microsoft.com/office/2006/metadata/contentType"/>
-    <ds:schemaRef ds:uri="http://schemas.microsoft.com/office/2006/metadata/properties/metaAttributes"/>
-    <ds:schemaRef ds:uri="http://www.w3.org/2001/XMLSchema"/>
-    <ds:schemaRef ds:uri="http://schemas.microsoft.com/office/2006/metadata/properties"/>
-    <ds:schemaRef ds:uri="9401343b-181c-4122-8b2c-e63f5991c204"/>
-    <ds:schemaRef ds:uri="http://schemas.microsoft.com/office/2006/documentManagement/types"/>
-    <ds:schemaRef ds:uri="http://schemas.microsoft.com/office/infopath/2007/PartnerControls"/>
-    <ds:schemaRef ds:uri="http://schemas.openxmlformats.org/package/2006/metadata/core-properties"/>
-    <ds:schemaRef ds:uri="http://purl.org/dc/elements/1.1/"/>
-    <ds:schemaRef ds:uri="http://purl.org/dc/terms/"/>
-    <ds:schemaRef ds:uri="http://schemas.microsoft.com/internal/obd"/>
-  </ds:schemaRefs>
-</ds:datastoreItem>
-</file>
-
-<file path=customXml/itemProps2.xml><?xml version="1.0" encoding="utf-8"?>
 <ds:datastoreItem xmlns:ds="http://schemas.openxmlformats.org/officeDocument/2006/customXml" ds:itemID="{034C1CA7-3A85-48CE-9075-0F10C4ECAE6D}">
   <ds:schemaRefs>
     <ds:schemaRef ds:uri="http://schemas.microsoft.com/sharepoint/v3/contenttype/forms"/>
@@ -25412,18 +25802,36 @@
 </ds:datastoreItem>
 </file>
 
-<file path=customXml/itemProps3.xml><?xml version="1.0" encoding="utf-8"?>
+<file path=customXml/itemProps2.xml><?xml version="1.0" encoding="utf-8"?>
 <ds:datastoreItem xmlns:ds="http://schemas.openxmlformats.org/officeDocument/2006/customXml" ds:itemID="{54409A9F-8D32-44CE-8F5E-39F8779569D4}">
   <ds:schemaRefs>
-    <ds:schemaRef ds:uri="http://purl.org/dc/terms/"/>
-    <ds:schemaRef ds:uri="http://schemas.openxmlformats.org/package/2006/metadata/core-properties"/>
     <ds:schemaRef ds:uri="http://purl.org/dc/dcmitype/"/>
-    <ds:schemaRef ds:uri="http://schemas.microsoft.com/office/2006/documentManagement/types"/>
+    <ds:schemaRef ds:uri="http://schemas.microsoft.com/office/infopath/2007/PartnerControls"/>
     <ds:schemaRef ds:uri="9401343b-181c-4122-8b2c-e63f5991c204"/>
     <ds:schemaRef ds:uri="http://purl.org/dc/elements/1.1/"/>
     <ds:schemaRef ds:uri="http://schemas.microsoft.com/office/2006/metadata/properties"/>
-    <ds:schemaRef ds:uri="http://schemas.microsoft.com/office/infopath/2007/PartnerControls"/>
+    <ds:schemaRef ds:uri="http://schemas.microsoft.com/office/2006/documentManagement/types"/>
+    <ds:schemaRef ds:uri="http://purl.org/dc/terms/"/>
+    <ds:schemaRef ds:uri="http://schemas.openxmlformats.org/package/2006/metadata/core-properties"/>
     <ds:schemaRef ds:uri="http://www.w3.org/XML/1998/namespace"/>
   </ds:schemaRefs>
 </ds:datastoreItem>
+</file>
+
+<file path=customXml/itemProps3.xml><?xml version="1.0" encoding="utf-8"?>
+<ds:datastoreItem xmlns:ds="http://schemas.openxmlformats.org/officeDocument/2006/customXml" ds:itemID="{1F39E6E1-DFC6-4CC2-B9CF-91162B026BD5}">
+  <ds:schemaRefs>
+    <ds:schemaRef ds:uri="9401343b-181c-4122-8b2c-e63f5991c204"/>
+    <ds:schemaRef ds:uri="http://purl.org/dc/elements/1.1/"/>
+    <ds:schemaRef ds:uri="http://purl.org/dc/terms/"/>
+    <ds:schemaRef ds:uri="http://schemas.microsoft.com/internal/obd"/>
+    <ds:schemaRef ds:uri="http://schemas.microsoft.com/office/2006/documentManagement/types"/>
+    <ds:schemaRef ds:uri="http://schemas.microsoft.com/office/2006/metadata/contentType"/>
+    <ds:schemaRef ds:uri="http://schemas.microsoft.com/office/2006/metadata/properties"/>
+    <ds:schemaRef ds:uri="http://schemas.microsoft.com/office/2006/metadata/properties/metaAttributes"/>
+    <ds:schemaRef ds:uri="http://schemas.microsoft.com/office/infopath/2007/PartnerControls"/>
+    <ds:schemaRef ds:uri="http://schemas.openxmlformats.org/package/2006/metadata/core-properties"/>
+    <ds:schemaRef ds:uri="http://www.w3.org/2001/XMLSchema"/>
+  </ds:schemaRefs>
+</ds:datastoreItem>
 </file>